--- a/LightningPresentation/Serna_Vasquez_Lightning_v1.pptx
+++ b/LightningPresentation/Serna_Vasquez_Lightning_v1.pptx
@@ -16,12 +16,12 @@
     <p:sldId id="258" r:id="rId7"/>
     <p:sldId id="280" r:id="rId8"/>
     <p:sldId id="285" r:id="rId9"/>
-    <p:sldId id="281" r:id="rId10"/>
-    <p:sldId id="286" r:id="rId11"/>
+    <p:sldId id="286" r:id="rId10"/>
+    <p:sldId id="292" r:id="rId11"/>
     <p:sldId id="282" r:id="rId12"/>
-    <p:sldId id="287" r:id="rId13"/>
-    <p:sldId id="288" r:id="rId14"/>
-    <p:sldId id="289" r:id="rId15"/>
+    <p:sldId id="290" r:id="rId13"/>
+    <p:sldId id="291" r:id="rId14"/>
+    <p:sldId id="287" r:id="rId15"/>
     <p:sldId id="276" r:id="rId16"/>
   </p:sldIdLst>
   <p:sldSz cx="9144000" cy="6858000" type="screen4x3"/>
@@ -211,7 +211,7 @@
           <a:p>
             <a:fld id="{935336F5-A68D-9A4A-83AB-B8CD6FA5C732}" type="datetimeFigureOut">
               <a:rPr lang="en-US" smtClean="0"/>
-              <a:t>9/6/2019</a:t>
+              <a:t>9/8/2019</a:t>
             </a:fld>
             <a:endParaRPr lang="en-US"/>
           </a:p>
@@ -860,7 +860,7 @@
           <a:p>
             <a:fld id="{D8AC05B1-2526-7C44-8A74-66C916069F4A}" type="datetime1">
               <a:rPr lang="en-US" smtClean="0"/>
-              <a:t>9/6/2019</a:t>
+              <a:t>9/8/2019</a:t>
             </a:fld>
             <a:endParaRPr lang="en-US"/>
           </a:p>
@@ -1051,7 +1051,7 @@
           <a:p>
             <a:fld id="{C0E5C021-D243-504D-84B8-D45D829E8B6B}" type="datetime1">
               <a:rPr lang="en-US" smtClean="0"/>
-              <a:t>9/6/2019</a:t>
+              <a:t>9/8/2019</a:t>
             </a:fld>
             <a:endParaRPr lang="en-US"/>
           </a:p>
@@ -1232,7 +1232,7 @@
           <a:p>
             <a:fld id="{B6F93F85-28A1-8344-9763-EF19E19F9128}" type="datetime1">
               <a:rPr lang="en-US" smtClean="0"/>
-              <a:t>9/6/2019</a:t>
+              <a:t>9/8/2019</a:t>
             </a:fld>
             <a:endParaRPr lang="en-US"/>
           </a:p>
@@ -1496,7 +1496,7 @@
           <a:p>
             <a:fld id="{A2B5E9FB-9AD4-754B-A772-6D3733DD5BAC}" type="datetime1">
               <a:rPr lang="en-US" smtClean="0"/>
-              <a:t>9/6/2019</a:t>
+              <a:t>9/8/2019</a:t>
             </a:fld>
             <a:endParaRPr lang="en-US"/>
           </a:p>
@@ -1739,7 +1739,7 @@
           <a:p>
             <a:fld id="{3140DF9E-9222-EE48-A64D-28DE5FAE4784}" type="datetime1">
               <a:rPr lang="en-US" smtClean="0"/>
-              <a:t>9/6/2019</a:t>
+              <a:t>9/8/2019</a:t>
             </a:fld>
             <a:endParaRPr lang="en-US"/>
           </a:p>
@@ -2117,7 +2117,7 @@
           <a:p>
             <a:fld id="{A61490FA-57A5-0041-9FDC-ACD83A9AA0E7}" type="datetime1">
               <a:rPr lang="en-US" smtClean="0"/>
-              <a:t>9/6/2019</a:t>
+              <a:t>9/8/2019</a:t>
             </a:fld>
             <a:endParaRPr lang="en-US"/>
           </a:p>
@@ -2246,7 +2246,7 @@
           <a:p>
             <a:fld id="{7E8290BC-2F66-E549-BF33-0BE20A5801B5}" type="datetime1">
               <a:rPr lang="en-US" smtClean="0"/>
-              <a:t>9/6/2019</a:t>
+              <a:t>9/8/2019</a:t>
             </a:fld>
             <a:endParaRPr lang="en-US"/>
           </a:p>
@@ -2352,7 +2352,7 @@
           <a:p>
             <a:fld id="{3BC728CC-7587-8545-9431-C9A8BB34EC62}" type="datetime1">
               <a:rPr lang="en-US" smtClean="0"/>
-              <a:t>9/6/2019</a:t>
+              <a:t>9/8/2019</a:t>
             </a:fld>
             <a:endParaRPr lang="en-US"/>
           </a:p>
@@ -2640,7 +2640,7 @@
           <a:p>
             <a:fld id="{9A66CD15-5422-0542-9CE8-BC312846333A}" type="datetime1">
               <a:rPr lang="en-US" smtClean="0"/>
-              <a:t>9/6/2019</a:t>
+              <a:t>9/8/2019</a:t>
             </a:fld>
             <a:endParaRPr lang="en-US"/>
           </a:p>
@@ -2908,7 +2908,7 @@
           <a:p>
             <a:fld id="{2A2384D1-AE54-4D4A-B83F-6EAD03BEB987}" type="datetime1">
               <a:rPr lang="en-US" smtClean="0"/>
-              <a:t>9/6/2019</a:t>
+              <a:t>9/8/2019</a:t>
             </a:fld>
             <a:endParaRPr lang="en-US"/>
           </a:p>
@@ -3936,7 +3936,7 @@
     </p:spTree>
     <p:extLst>
       <p:ext uri="{BB962C8B-B14F-4D97-AF65-F5344CB8AC3E}">
-        <p14:creationId xmlns:p14="http://schemas.microsoft.com/office/powerpoint/2010/main" val="2013336079"/>
+        <p14:creationId xmlns:p14="http://schemas.microsoft.com/office/powerpoint/2010/main" val="3112754008"/>
       </p:ext>
     </p:extLst>
   </p:cSld>
@@ -3990,13 +3990,6 @@
               <a:rPr lang="en-US" dirty="0"/>
               <a:t>Models</a:t>
             </a:r>
-            <a:br>
-              <a:rPr lang="en-US" dirty="0"/>
-            </a:br>
-            <a:r>
-              <a:rPr lang="en-US" dirty="0"/>
-              <a:t>Logistic Regression</a:t>
-            </a:r>
           </a:p>
         </p:txBody>
       </p:sp>
@@ -4012,7 +4005,7 @@
         </p:nvSpPr>
         <p:spPr>
           <a:xfrm>
-            <a:off x="628649" y="1825625"/>
+            <a:off x="-32836" y="1825625"/>
             <a:ext cx="6735189" cy="4351338"/>
           </a:xfrm>
         </p:spPr>
@@ -4022,7 +4015,28 @@
           <a:p>
             <a:r>
               <a:rPr lang="en-US" dirty="0"/>
-              <a:t>Some text</a:t>
+              <a:t>Three models</a:t>
+            </a:r>
+          </a:p>
+          <a:p>
+            <a:pPr lvl="1"/>
+            <a:r>
+              <a:rPr lang="en-US" dirty="0"/>
+              <a:t>Logistic Regression</a:t>
+            </a:r>
+          </a:p>
+          <a:p>
+            <a:pPr lvl="1"/>
+            <a:r>
+              <a:rPr lang="en-US" dirty="0"/>
+              <a:t>Random Forest</a:t>
+            </a:r>
+          </a:p>
+          <a:p>
+            <a:pPr lvl="1"/>
+            <a:r>
+              <a:rPr lang="en-US" dirty="0"/>
+              <a:t>SVM</a:t>
             </a:r>
           </a:p>
           <a:p>
@@ -4053,6 +4067,595 @@
           </a:p>
         </p:txBody>
       </p:sp>
+      <p:pic>
+        <p:nvPicPr>
+          <p:cNvPr id="6" name="Picture 5">
+            <a:extLst>
+              <a:ext uri="{FF2B5EF4-FFF2-40B4-BE49-F238E27FC236}">
+                <a16:creationId xmlns:a16="http://schemas.microsoft.com/office/drawing/2014/main" id="{AEF1E016-C191-41E3-8E56-30AFC5D4E6EA}"/>
+              </a:ext>
+            </a:extLst>
+          </p:cNvPr>
+          <p:cNvPicPr>
+            <a:picLocks noChangeAspect="1"/>
+          </p:cNvPicPr>
+          <p:nvPr/>
+        </p:nvPicPr>
+        <p:blipFill>
+          <a:blip r:embed="rId2"/>
+          <a:stretch>
+            <a:fillRect/>
+          </a:stretch>
+        </p:blipFill>
+        <p:spPr>
+          <a:xfrm>
+            <a:off x="3877928" y="1870077"/>
+            <a:ext cx="5203697" cy="3322932"/>
+          </a:xfrm>
+          <a:prstGeom prst="rect">
+            <a:avLst/>
+          </a:prstGeom>
+        </p:spPr>
+      </p:pic>
+      <p:graphicFrame>
+        <p:nvGraphicFramePr>
+          <p:cNvPr id="7" name="Table 6">
+            <a:extLst>
+              <a:ext uri="{FF2B5EF4-FFF2-40B4-BE49-F238E27FC236}">
+                <a16:creationId xmlns:a16="http://schemas.microsoft.com/office/drawing/2014/main" id="{1378655D-24AD-41EE-AB18-D742B984A277}"/>
+              </a:ext>
+            </a:extLst>
+          </p:cNvPr>
+          <p:cNvGraphicFramePr>
+            <a:graphicFrameLocks noGrp="1"/>
+          </p:cNvGraphicFramePr>
+          <p:nvPr>
+            <p:extLst>
+              <p:ext uri="{D42A27DB-BD31-4B8C-83A1-F6EECF244321}">
+                <p14:modId xmlns:p14="http://schemas.microsoft.com/office/powerpoint/2010/main" val="3499154242"/>
+              </p:ext>
+            </p:extLst>
+          </p:nvPr>
+        </p:nvGraphicFramePr>
+        <p:xfrm>
+          <a:off x="2217771" y="5339277"/>
+          <a:ext cx="3949699" cy="762000"/>
+        </p:xfrm>
+        <a:graphic>
+          <a:graphicData uri="http://schemas.openxmlformats.org/drawingml/2006/table">
+            <a:tbl>
+              <a:tblPr>
+                <a:tableStyleId>{69CF1AB2-1976-4502-BF36-3FF5EA218861}</a:tableStyleId>
+              </a:tblPr>
+              <a:tblGrid>
+                <a:gridCol w="1513259">
+                  <a:extLst>
+                    <a:ext uri="{9D8B030D-6E8A-4147-A177-3AD203B41FA5}">
+                      <a16:colId xmlns:a16="http://schemas.microsoft.com/office/drawing/2014/main" val="1002074433"/>
+                    </a:ext>
+                  </a:extLst>
+                </a:gridCol>
+                <a:gridCol w="609110">
+                  <a:extLst>
+                    <a:ext uri="{9D8B030D-6E8A-4147-A177-3AD203B41FA5}">
+                      <a16:colId xmlns:a16="http://schemas.microsoft.com/office/drawing/2014/main" val="3526287334"/>
+                    </a:ext>
+                  </a:extLst>
+                </a:gridCol>
+                <a:gridCol w="609110">
+                  <a:extLst>
+                    <a:ext uri="{9D8B030D-6E8A-4147-A177-3AD203B41FA5}">
+                      <a16:colId xmlns:a16="http://schemas.microsoft.com/office/drawing/2014/main" val="858658531"/>
+                    </a:ext>
+                  </a:extLst>
+                </a:gridCol>
+                <a:gridCol w="609110">
+                  <a:extLst>
+                    <a:ext uri="{9D8B030D-6E8A-4147-A177-3AD203B41FA5}">
+                      <a16:colId xmlns:a16="http://schemas.microsoft.com/office/drawing/2014/main" val="1760796776"/>
+                    </a:ext>
+                  </a:extLst>
+                </a:gridCol>
+                <a:gridCol w="609110">
+                  <a:extLst>
+                    <a:ext uri="{9D8B030D-6E8A-4147-A177-3AD203B41FA5}">
+                      <a16:colId xmlns:a16="http://schemas.microsoft.com/office/drawing/2014/main" val="1053924900"/>
+                    </a:ext>
+                  </a:extLst>
+                </a:gridCol>
+              </a:tblGrid>
+              <a:tr h="190500">
+                <a:tc>
+                  <a:txBody>
+                    <a:bodyPr/>
+                    <a:lstStyle/>
+                    <a:p>
+                      <a:pPr algn="l" fontAlgn="b"/>
+                      <a:r>
+                        <a:rPr lang="en-US" sz="1100" u="none" strike="noStrike">
+                          <a:effectLst/>
+                        </a:rPr>
+                        <a:t>Model Type</a:t>
+                      </a:r>
+                      <a:endParaRPr lang="en-US" sz="1100" b="0" i="0" u="none" strike="noStrike">
+                        <a:solidFill>
+                          <a:srgbClr val="000000"/>
+                        </a:solidFill>
+                        <a:effectLst/>
+                        <a:latin typeface="Calibri" panose="020F0502020204030204" pitchFamily="34" charset="0"/>
+                      </a:endParaRPr>
+                    </a:p>
+                  </a:txBody>
+                  <a:tcPr marL="9525" marR="9525" marT="9525" marB="0" anchor="b"/>
+                </a:tc>
+                <a:tc>
+                  <a:txBody>
+                    <a:bodyPr/>
+                    <a:lstStyle/>
+                    <a:p>
+                      <a:pPr algn="l" fontAlgn="b"/>
+                      <a:r>
+                        <a:rPr lang="en-US" sz="1100" u="none" strike="noStrike">
+                          <a:effectLst/>
+                        </a:rPr>
+                        <a:t>Accuracy</a:t>
+                      </a:r>
+                      <a:endParaRPr lang="en-US" sz="1100" b="0" i="0" u="none" strike="noStrike">
+                        <a:solidFill>
+                          <a:srgbClr val="000000"/>
+                        </a:solidFill>
+                        <a:effectLst/>
+                        <a:latin typeface="Calibri" panose="020F0502020204030204" pitchFamily="34" charset="0"/>
+                      </a:endParaRPr>
+                    </a:p>
+                  </a:txBody>
+                  <a:tcPr marL="9525" marR="9525" marT="9525" marB="0" anchor="b"/>
+                </a:tc>
+                <a:tc>
+                  <a:txBody>
+                    <a:bodyPr/>
+                    <a:lstStyle/>
+                    <a:p>
+                      <a:pPr algn="l" fontAlgn="b"/>
+                      <a:r>
+                        <a:rPr lang="en-US" sz="1100" u="none" strike="noStrike">
+                          <a:effectLst/>
+                        </a:rPr>
+                        <a:t>Precision</a:t>
+                      </a:r>
+                      <a:endParaRPr lang="en-US" sz="1100" b="0" i="0" u="none" strike="noStrike">
+                        <a:solidFill>
+                          <a:srgbClr val="000000"/>
+                        </a:solidFill>
+                        <a:effectLst/>
+                        <a:latin typeface="Calibri" panose="020F0502020204030204" pitchFamily="34" charset="0"/>
+                      </a:endParaRPr>
+                    </a:p>
+                  </a:txBody>
+                  <a:tcPr marL="9525" marR="9525" marT="9525" marB="0" anchor="b"/>
+                </a:tc>
+                <a:tc>
+                  <a:txBody>
+                    <a:bodyPr/>
+                    <a:lstStyle/>
+                    <a:p>
+                      <a:pPr algn="l" fontAlgn="b"/>
+                      <a:r>
+                        <a:rPr lang="en-US" sz="1100" u="none" strike="noStrike">
+                          <a:effectLst/>
+                        </a:rPr>
+                        <a:t>Recall</a:t>
+                      </a:r>
+                      <a:endParaRPr lang="en-US" sz="1100" b="0" i="0" u="none" strike="noStrike">
+                        <a:solidFill>
+                          <a:srgbClr val="000000"/>
+                        </a:solidFill>
+                        <a:effectLst/>
+                        <a:latin typeface="Calibri" panose="020F0502020204030204" pitchFamily="34" charset="0"/>
+                      </a:endParaRPr>
+                    </a:p>
+                  </a:txBody>
+                  <a:tcPr marL="9525" marR="9525" marT="9525" marB="0" anchor="b"/>
+                </a:tc>
+                <a:tc>
+                  <a:txBody>
+                    <a:bodyPr/>
+                    <a:lstStyle/>
+                    <a:p>
+                      <a:pPr algn="l" fontAlgn="b"/>
+                      <a:r>
+                        <a:rPr lang="en-US" sz="1100" u="none" strike="noStrike">
+                          <a:effectLst/>
+                        </a:rPr>
+                        <a:t>F1 Score</a:t>
+                      </a:r>
+                      <a:endParaRPr lang="en-US" sz="1100" b="0" i="0" u="none" strike="noStrike">
+                        <a:solidFill>
+                          <a:srgbClr val="000000"/>
+                        </a:solidFill>
+                        <a:effectLst/>
+                        <a:latin typeface="Calibri" panose="020F0502020204030204" pitchFamily="34" charset="0"/>
+                      </a:endParaRPr>
+                    </a:p>
+                  </a:txBody>
+                  <a:tcPr marL="9525" marR="9525" marT="9525" marB="0" anchor="b"/>
+                </a:tc>
+                <a:extLst>
+                  <a:ext uri="{0D108BD9-81ED-4DB2-BD59-A6C34878D82A}">
+                    <a16:rowId xmlns:a16="http://schemas.microsoft.com/office/drawing/2014/main" val="1341202034"/>
+                  </a:ext>
+                </a:extLst>
+              </a:tr>
+              <a:tr h="190500">
+                <a:tc>
+                  <a:txBody>
+                    <a:bodyPr/>
+                    <a:lstStyle/>
+                    <a:p>
+                      <a:pPr algn="l" fontAlgn="b"/>
+                      <a:r>
+                        <a:rPr lang="en-US" sz="1100" u="none" strike="noStrike">
+                          <a:effectLst/>
+                        </a:rPr>
+                        <a:t>Logistic Regression</a:t>
+                      </a:r>
+                      <a:endParaRPr lang="en-US" sz="1100" b="0" i="0" u="none" strike="noStrike">
+                        <a:solidFill>
+                          <a:srgbClr val="000000"/>
+                        </a:solidFill>
+                        <a:effectLst/>
+                        <a:latin typeface="Calibri" panose="020F0502020204030204" pitchFamily="34" charset="0"/>
+                      </a:endParaRPr>
+                    </a:p>
+                  </a:txBody>
+                  <a:tcPr marL="9525" marR="9525" marT="9525" marB="0" anchor="b"/>
+                </a:tc>
+                <a:tc>
+                  <a:txBody>
+                    <a:bodyPr/>
+                    <a:lstStyle/>
+                    <a:p>
+                      <a:pPr algn="r" fontAlgn="b"/>
+                      <a:r>
+                        <a:rPr lang="en-US" sz="1100" u="none" strike="noStrike">
+                          <a:effectLst/>
+                        </a:rPr>
+                        <a:t>0.98639</a:t>
+                      </a:r>
+                      <a:endParaRPr lang="en-US" sz="1100" b="0" i="0" u="none" strike="noStrike">
+                        <a:solidFill>
+                          <a:srgbClr val="000000"/>
+                        </a:solidFill>
+                        <a:effectLst/>
+                        <a:latin typeface="Calibri" panose="020F0502020204030204" pitchFamily="34" charset="0"/>
+                      </a:endParaRPr>
+                    </a:p>
+                  </a:txBody>
+                  <a:tcPr marL="9525" marR="9525" marT="9525" marB="0" anchor="b"/>
+                </a:tc>
+                <a:tc>
+                  <a:txBody>
+                    <a:bodyPr/>
+                    <a:lstStyle/>
+                    <a:p>
+                      <a:pPr algn="r" fontAlgn="b"/>
+                      <a:r>
+                        <a:rPr lang="en-US" sz="1100" u="none" strike="noStrike">
+                          <a:effectLst/>
+                        </a:rPr>
+                        <a:t>0.97685</a:t>
+                      </a:r>
+                      <a:endParaRPr lang="en-US" sz="1100" b="0" i="0" u="none" strike="noStrike">
+                        <a:solidFill>
+                          <a:srgbClr val="000000"/>
+                        </a:solidFill>
+                        <a:effectLst/>
+                        <a:latin typeface="Calibri" panose="020F0502020204030204" pitchFamily="34" charset="0"/>
+                      </a:endParaRPr>
+                    </a:p>
+                  </a:txBody>
+                  <a:tcPr marL="9525" marR="9525" marT="9525" marB="0" anchor="b"/>
+                </a:tc>
+                <a:tc>
+                  <a:txBody>
+                    <a:bodyPr/>
+                    <a:lstStyle/>
+                    <a:p>
+                      <a:pPr algn="r" fontAlgn="b"/>
+                      <a:r>
+                        <a:rPr lang="en-US" sz="1100" u="none" strike="noStrike">
+                          <a:effectLst/>
+                        </a:rPr>
+                        <a:t>0.97816</a:t>
+                      </a:r>
+                      <a:endParaRPr lang="en-US" sz="1100" b="0" i="0" u="none" strike="noStrike">
+                        <a:solidFill>
+                          <a:srgbClr val="000000"/>
+                        </a:solidFill>
+                        <a:effectLst/>
+                        <a:latin typeface="Calibri" panose="020F0502020204030204" pitchFamily="34" charset="0"/>
+                      </a:endParaRPr>
+                    </a:p>
+                  </a:txBody>
+                  <a:tcPr marL="9525" marR="9525" marT="9525" marB="0" anchor="b"/>
+                </a:tc>
+                <a:tc>
+                  <a:txBody>
+                    <a:bodyPr/>
+                    <a:lstStyle/>
+                    <a:p>
+                      <a:pPr algn="r" fontAlgn="b"/>
+                      <a:r>
+                        <a:rPr lang="en-US" sz="1100" u="none" strike="noStrike">
+                          <a:effectLst/>
+                        </a:rPr>
+                        <a:t>0.97751</a:t>
+                      </a:r>
+                      <a:endParaRPr lang="en-US" sz="1100" b="0" i="0" u="none" strike="noStrike">
+                        <a:solidFill>
+                          <a:srgbClr val="000000"/>
+                        </a:solidFill>
+                        <a:effectLst/>
+                        <a:latin typeface="Calibri" panose="020F0502020204030204" pitchFamily="34" charset="0"/>
+                      </a:endParaRPr>
+                    </a:p>
+                  </a:txBody>
+                  <a:tcPr marL="9525" marR="9525" marT="9525" marB="0" anchor="b"/>
+                </a:tc>
+                <a:extLst>
+                  <a:ext uri="{0D108BD9-81ED-4DB2-BD59-A6C34878D82A}">
+                    <a16:rowId xmlns:a16="http://schemas.microsoft.com/office/drawing/2014/main" val="4125252065"/>
+                  </a:ext>
+                </a:extLst>
+              </a:tr>
+              <a:tr h="190500">
+                <a:tc>
+                  <a:txBody>
+                    <a:bodyPr/>
+                    <a:lstStyle/>
+                    <a:p>
+                      <a:pPr algn="l" fontAlgn="b"/>
+                      <a:r>
+                        <a:rPr lang="en-US" sz="1100" u="none" strike="noStrike">
+                          <a:effectLst/>
+                        </a:rPr>
+                        <a:t>Random Forest</a:t>
+                      </a:r>
+                      <a:endParaRPr lang="en-US" sz="1100" b="0" i="0" u="none" strike="noStrike">
+                        <a:solidFill>
+                          <a:srgbClr val="000000"/>
+                        </a:solidFill>
+                        <a:effectLst/>
+                        <a:latin typeface="Calibri" panose="020F0502020204030204" pitchFamily="34" charset="0"/>
+                      </a:endParaRPr>
+                    </a:p>
+                  </a:txBody>
+                  <a:tcPr marL="9525" marR="9525" marT="9525" marB="0" anchor="b"/>
+                </a:tc>
+                <a:tc>
+                  <a:txBody>
+                    <a:bodyPr/>
+                    <a:lstStyle/>
+                    <a:p>
+                      <a:pPr algn="r" fontAlgn="b"/>
+                      <a:r>
+                        <a:rPr lang="en-US" sz="1100" u="none" strike="noStrike">
+                          <a:effectLst/>
+                        </a:rPr>
+                        <a:t>0.97823</a:t>
+                      </a:r>
+                      <a:endParaRPr lang="en-US" sz="1100" b="0" i="0" u="none" strike="noStrike">
+                        <a:solidFill>
+                          <a:srgbClr val="000000"/>
+                        </a:solidFill>
+                        <a:effectLst/>
+                        <a:latin typeface="Calibri" panose="020F0502020204030204" pitchFamily="34" charset="0"/>
+                      </a:endParaRPr>
+                    </a:p>
+                  </a:txBody>
+                  <a:tcPr marL="9525" marR="9525" marT="9525" marB="0" anchor="b"/>
+                </a:tc>
+                <a:tc>
+                  <a:txBody>
+                    <a:bodyPr/>
+                    <a:lstStyle/>
+                    <a:p>
+                      <a:pPr algn="r" fontAlgn="b"/>
+                      <a:r>
+                        <a:rPr lang="en-US" sz="1100" u="none" strike="noStrike">
+                          <a:effectLst/>
+                        </a:rPr>
+                        <a:t>0.97612</a:t>
+                      </a:r>
+                      <a:endParaRPr lang="en-US" sz="1100" b="0" i="0" u="none" strike="noStrike">
+                        <a:solidFill>
+                          <a:srgbClr val="000000"/>
+                        </a:solidFill>
+                        <a:effectLst/>
+                        <a:latin typeface="Calibri" panose="020F0502020204030204" pitchFamily="34" charset="0"/>
+                      </a:endParaRPr>
+                    </a:p>
+                  </a:txBody>
+                  <a:tcPr marL="9525" marR="9525" marT="9525" marB="0" anchor="b"/>
+                </a:tc>
+                <a:tc>
+                  <a:txBody>
+                    <a:bodyPr/>
+                    <a:lstStyle/>
+                    <a:p>
+                      <a:pPr algn="r" fontAlgn="b"/>
+                      <a:r>
+                        <a:rPr lang="en-US" sz="1100" u="none" strike="noStrike">
+                          <a:effectLst/>
+                        </a:rPr>
+                        <a:t>0.95127</a:t>
+                      </a:r>
+                      <a:endParaRPr lang="en-US" sz="1100" b="0" i="0" u="none" strike="noStrike">
+                        <a:solidFill>
+                          <a:srgbClr val="000000"/>
+                        </a:solidFill>
+                        <a:effectLst/>
+                        <a:latin typeface="Calibri" panose="020F0502020204030204" pitchFamily="34" charset="0"/>
+                      </a:endParaRPr>
+                    </a:p>
+                  </a:txBody>
+                  <a:tcPr marL="9525" marR="9525" marT="9525" marB="0" anchor="b"/>
+                </a:tc>
+                <a:tc>
+                  <a:txBody>
+                    <a:bodyPr/>
+                    <a:lstStyle/>
+                    <a:p>
+                      <a:pPr algn="r" fontAlgn="b"/>
+                      <a:r>
+                        <a:rPr lang="en-US" sz="1100" u="none" strike="noStrike">
+                          <a:effectLst/>
+                        </a:rPr>
+                        <a:t>0.96353</a:t>
+                      </a:r>
+                      <a:endParaRPr lang="en-US" sz="1100" b="0" i="0" u="none" strike="noStrike">
+                        <a:solidFill>
+                          <a:srgbClr val="000000"/>
+                        </a:solidFill>
+                        <a:effectLst/>
+                        <a:latin typeface="Calibri" panose="020F0502020204030204" pitchFamily="34" charset="0"/>
+                      </a:endParaRPr>
+                    </a:p>
+                  </a:txBody>
+                  <a:tcPr marL="9525" marR="9525" marT="9525" marB="0" anchor="b"/>
+                </a:tc>
+                <a:extLst>
+                  <a:ext uri="{0D108BD9-81ED-4DB2-BD59-A6C34878D82A}">
+                    <a16:rowId xmlns:a16="http://schemas.microsoft.com/office/drawing/2014/main" val="200264238"/>
+                  </a:ext>
+                </a:extLst>
+              </a:tr>
+              <a:tr h="190500">
+                <a:tc>
+                  <a:txBody>
+                    <a:bodyPr/>
+                    <a:lstStyle/>
+                    <a:p>
+                      <a:pPr algn="l" fontAlgn="b"/>
+                      <a:r>
+                        <a:rPr lang="en-US" sz="1100" b="1" u="none" strike="noStrike" dirty="0">
+                          <a:effectLst/>
+                        </a:rPr>
+                        <a:t>Support Vector Machine</a:t>
+                      </a:r>
+                      <a:endParaRPr lang="en-US" sz="1100" b="1" i="0" u="none" strike="noStrike" dirty="0">
+                        <a:solidFill>
+                          <a:srgbClr val="000000"/>
+                        </a:solidFill>
+                        <a:effectLst/>
+                        <a:latin typeface="Calibri" panose="020F0502020204030204" pitchFamily="34" charset="0"/>
+                      </a:endParaRPr>
+                    </a:p>
+                  </a:txBody>
+                  <a:tcPr marL="9525" marR="9525" marT="9525" marB="0" anchor="b"/>
+                </a:tc>
+                <a:tc>
+                  <a:txBody>
+                    <a:bodyPr/>
+                    <a:lstStyle/>
+                    <a:p>
+                      <a:pPr algn="r" fontAlgn="b"/>
+                      <a:r>
+                        <a:rPr lang="en-US" sz="1100" b="1" u="none" strike="noStrike" dirty="0">
+                          <a:effectLst/>
+                        </a:rPr>
+                        <a:t>0.98966</a:t>
+                      </a:r>
+                      <a:endParaRPr lang="en-US" sz="1100" b="1" i="0" u="none" strike="noStrike" dirty="0">
+                        <a:solidFill>
+                          <a:srgbClr val="000000"/>
+                        </a:solidFill>
+                        <a:effectLst/>
+                        <a:latin typeface="Calibri" panose="020F0502020204030204" pitchFamily="34" charset="0"/>
+                      </a:endParaRPr>
+                    </a:p>
+                  </a:txBody>
+                  <a:tcPr marL="9525" marR="9525" marT="9525" marB="0" anchor="b"/>
+                </a:tc>
+                <a:tc>
+                  <a:txBody>
+                    <a:bodyPr/>
+                    <a:lstStyle/>
+                    <a:p>
+                      <a:pPr algn="r" fontAlgn="b"/>
+                      <a:r>
+                        <a:rPr lang="en-US" sz="1100" b="1" u="none" strike="noStrike" dirty="0">
+                          <a:effectLst/>
+                        </a:rPr>
+                        <a:t>0.97791</a:t>
+                      </a:r>
+                      <a:endParaRPr lang="en-US" sz="1100" b="1" i="0" u="none" strike="noStrike" dirty="0">
+                        <a:solidFill>
+                          <a:srgbClr val="000000"/>
+                        </a:solidFill>
+                        <a:effectLst/>
+                        <a:latin typeface="Calibri" panose="020F0502020204030204" pitchFamily="34" charset="0"/>
+                      </a:endParaRPr>
+                    </a:p>
+                  </a:txBody>
+                  <a:tcPr marL="9525" marR="9525" marT="9525" marB="0" anchor="b"/>
+                </a:tc>
+                <a:tc>
+                  <a:txBody>
+                    <a:bodyPr/>
+                    <a:lstStyle/>
+                    <a:p>
+                      <a:pPr algn="r" fontAlgn="b"/>
+                      <a:r>
+                        <a:rPr lang="en-US" sz="1100" b="1" u="none" strike="noStrike" dirty="0">
+                          <a:effectLst/>
+                        </a:rPr>
+                        <a:t>0.98811</a:t>
+                      </a:r>
+                      <a:endParaRPr lang="en-US" sz="1100" b="1" i="0" u="none" strike="noStrike" dirty="0">
+                        <a:solidFill>
+                          <a:srgbClr val="000000"/>
+                        </a:solidFill>
+                        <a:effectLst/>
+                        <a:latin typeface="Calibri" panose="020F0502020204030204" pitchFamily="34" charset="0"/>
+                      </a:endParaRPr>
+                    </a:p>
+                  </a:txBody>
+                  <a:tcPr marL="9525" marR="9525" marT="9525" marB="0" anchor="b"/>
+                </a:tc>
+                <a:tc>
+                  <a:txBody>
+                    <a:bodyPr/>
+                    <a:lstStyle/>
+                    <a:p>
+                      <a:pPr algn="r" fontAlgn="b"/>
+                      <a:r>
+                        <a:rPr lang="en-US" sz="1100" b="1" u="none" strike="noStrike" dirty="0">
+                          <a:effectLst/>
+                        </a:rPr>
+                        <a:t>0.98298</a:t>
+                      </a:r>
+                      <a:endParaRPr lang="en-US" sz="1100" b="1" i="0" u="none" strike="noStrike" dirty="0">
+                        <a:solidFill>
+                          <a:srgbClr val="000000"/>
+                        </a:solidFill>
+                        <a:effectLst/>
+                        <a:latin typeface="Calibri" panose="020F0502020204030204" pitchFamily="34" charset="0"/>
+                      </a:endParaRPr>
+                    </a:p>
+                  </a:txBody>
+                  <a:tcPr marL="9525" marR="9525" marT="9525" marB="0" anchor="b"/>
+                </a:tc>
+                <a:extLst>
+                  <a:ext uri="{0D108BD9-81ED-4DB2-BD59-A6C34878D82A}">
+                    <a16:rowId xmlns:a16="http://schemas.microsoft.com/office/drawing/2014/main" val="4294063467"/>
+                  </a:ext>
+                </a:extLst>
+              </a:tr>
+            </a:tbl>
+          </a:graphicData>
+        </a:graphic>
+      </p:graphicFrame>
     </p:spTree>
     <p:extLst>
       <p:ext uri="{BB962C8B-B14F-4D97-AF65-F5344CB8AC3E}">
@@ -4115,38 +4718,8 @@
             </a:br>
             <a:r>
               <a:rPr lang="en-US" dirty="0"/>
-              <a:t>Random Forest</a:t>
+              <a:t>Resampled</a:t>
             </a:r>
-          </a:p>
-        </p:txBody>
-      </p:sp>
-      <p:sp>
-        <p:nvSpPr>
-          <p:cNvPr id="3" name="Content Placeholder 2"/>
-          <p:cNvSpPr>
-            <a:spLocks noGrp="1"/>
-          </p:cNvSpPr>
-          <p:nvPr>
-            <p:ph idx="1"/>
-          </p:nvPr>
-        </p:nvSpPr>
-        <p:spPr>
-          <a:xfrm>
-            <a:off x="628649" y="1825625"/>
-            <a:ext cx="6735189" cy="4351338"/>
-          </a:xfrm>
-        </p:spPr>
-        <p:txBody>
-          <a:bodyPr/>
-          <a:lstStyle/>
-          <a:p>
-            <a:r>
-              <a:rPr lang="en-US" dirty="0"/>
-              <a:t>Some text</a:t>
-            </a:r>
-          </a:p>
-          <a:p>
-            <a:endParaRPr lang="en-US" dirty="0"/>
           </a:p>
         </p:txBody>
       </p:sp>
@@ -4173,10 +4746,357 @@
           </a:p>
         </p:txBody>
       </p:sp>
+      <p:pic>
+        <p:nvPicPr>
+          <p:cNvPr id="4" name="Picture 3">
+            <a:extLst>
+              <a:ext uri="{FF2B5EF4-FFF2-40B4-BE49-F238E27FC236}">
+                <a16:creationId xmlns:a16="http://schemas.microsoft.com/office/drawing/2014/main" id="{B3D9E070-C17F-4F83-898A-5E9417DA0E34}"/>
+              </a:ext>
+            </a:extLst>
+          </p:cNvPr>
+          <p:cNvPicPr>
+            <a:picLocks noChangeAspect="1"/>
+          </p:cNvPicPr>
+          <p:nvPr/>
+        </p:nvPicPr>
+        <p:blipFill>
+          <a:blip r:embed="rId2"/>
+          <a:stretch>
+            <a:fillRect/>
+          </a:stretch>
+        </p:blipFill>
+        <p:spPr>
+          <a:xfrm>
+            <a:off x="1118681" y="2836714"/>
+            <a:ext cx="6284067" cy="3173695"/>
+          </a:xfrm>
+          <a:prstGeom prst="rect">
+            <a:avLst/>
+          </a:prstGeom>
+        </p:spPr>
+      </p:pic>
+      <p:sp>
+        <p:nvSpPr>
+          <p:cNvPr id="8" name="Rectangle 7">
+            <a:extLst>
+              <a:ext uri="{FF2B5EF4-FFF2-40B4-BE49-F238E27FC236}">
+                <a16:creationId xmlns:a16="http://schemas.microsoft.com/office/drawing/2014/main" id="{4D484AE5-B9EB-4D27-A0DD-339421106070}"/>
+              </a:ext>
+            </a:extLst>
+          </p:cNvPr>
+          <p:cNvSpPr/>
+          <p:nvPr/>
+        </p:nvSpPr>
+        <p:spPr>
+          <a:xfrm>
+            <a:off x="4426085" y="4328809"/>
+            <a:ext cx="2869660" cy="1536970"/>
+          </a:xfrm>
+          <a:prstGeom prst="rect">
+            <a:avLst/>
+          </a:prstGeom>
+          <a:noFill/>
+          <a:ln w="57150">
+            <a:solidFill>
+              <a:srgbClr val="7030A0"/>
+            </a:solidFill>
+          </a:ln>
+        </p:spPr>
+        <p:style>
+          <a:lnRef idx="2">
+            <a:schemeClr val="accent1">
+              <a:shade val="50000"/>
+            </a:schemeClr>
+          </a:lnRef>
+          <a:fillRef idx="1">
+            <a:schemeClr val="accent1"/>
+          </a:fillRef>
+          <a:effectRef idx="0">
+            <a:schemeClr val="accent1"/>
+          </a:effectRef>
+          <a:fontRef idx="minor">
+            <a:schemeClr val="lt1"/>
+          </a:fontRef>
+        </p:style>
+        <p:txBody>
+          <a:bodyPr rtlCol="0" anchor="ctr"/>
+          <a:lstStyle/>
+          <a:p>
+            <a:pPr algn="ctr"/>
+            <a:endParaRPr lang="en-US"/>
+          </a:p>
+        </p:txBody>
+      </p:sp>
+      <p:sp>
+        <p:nvSpPr>
+          <p:cNvPr id="10" name="Rectangle 9">
+            <a:extLst>
+              <a:ext uri="{FF2B5EF4-FFF2-40B4-BE49-F238E27FC236}">
+                <a16:creationId xmlns:a16="http://schemas.microsoft.com/office/drawing/2014/main" id="{69BF3EBF-6230-4231-B5CE-BFBDD9100E9D}"/>
+              </a:ext>
+            </a:extLst>
+          </p:cNvPr>
+          <p:cNvSpPr/>
+          <p:nvPr/>
+        </p:nvSpPr>
+        <p:spPr>
+          <a:xfrm>
+            <a:off x="1118681" y="2836714"/>
+            <a:ext cx="3307404" cy="1536970"/>
+          </a:xfrm>
+          <a:prstGeom prst="rect">
+            <a:avLst/>
+          </a:prstGeom>
+          <a:noFill/>
+          <a:ln w="57150">
+            <a:solidFill>
+              <a:srgbClr val="00B0F0"/>
+            </a:solidFill>
+          </a:ln>
+        </p:spPr>
+        <p:style>
+          <a:lnRef idx="2">
+            <a:schemeClr val="accent1">
+              <a:shade val="50000"/>
+            </a:schemeClr>
+          </a:lnRef>
+          <a:fillRef idx="1">
+            <a:schemeClr val="accent1"/>
+          </a:fillRef>
+          <a:effectRef idx="0">
+            <a:schemeClr val="accent1"/>
+          </a:effectRef>
+          <a:fontRef idx="minor">
+            <a:schemeClr val="lt1"/>
+          </a:fontRef>
+        </p:style>
+        <p:txBody>
+          <a:bodyPr rtlCol="0" anchor="ctr"/>
+          <a:lstStyle/>
+          <a:p>
+            <a:pPr algn="ctr"/>
+            <a:endParaRPr lang="en-US"/>
+          </a:p>
+        </p:txBody>
+      </p:sp>
+      <p:sp>
+        <p:nvSpPr>
+          <p:cNvPr id="13" name="Content Placeholder 2">
+            <a:extLst>
+              <a:ext uri="{FF2B5EF4-FFF2-40B4-BE49-F238E27FC236}">
+                <a16:creationId xmlns:a16="http://schemas.microsoft.com/office/drawing/2014/main" id="{89573500-E261-4507-963C-08FD15879372}"/>
+              </a:ext>
+            </a:extLst>
+          </p:cNvPr>
+          <p:cNvSpPr txBox="1">
+            <a:spLocks/>
+          </p:cNvSpPr>
+          <p:nvPr/>
+        </p:nvSpPr>
+        <p:spPr>
+          <a:xfrm>
+            <a:off x="307636" y="1825625"/>
+            <a:ext cx="6735189" cy="4351338"/>
+          </a:xfrm>
+          <a:prstGeom prst="rect">
+            <a:avLst/>
+          </a:prstGeom>
+        </p:spPr>
+        <p:txBody>
+          <a:bodyPr vert="horz" lIns="91440" tIns="45720" rIns="91440" bIns="45720" rtlCol="0">
+            <a:normAutofit/>
+          </a:bodyPr>
+          <a:lstStyle>
+            <a:lvl1pPr marL="228600" indent="-228600" algn="l" defTabSz="914400" rtl="0" eaLnBrk="1" latinLnBrk="0" hangingPunct="1">
+              <a:lnSpc>
+                <a:spcPct val="90000"/>
+              </a:lnSpc>
+              <a:spcBef>
+                <a:spcPts val="1000"/>
+              </a:spcBef>
+              <a:buFont typeface="Arial" panose="020B0604020202020204" pitchFamily="34" charset="0"/>
+              <a:buChar char="•"/>
+              <a:defRPr sz="3200" kern="1200">
+                <a:solidFill>
+                  <a:schemeClr val="tx1"/>
+                </a:solidFill>
+                <a:latin typeface="Arial" charset="0"/>
+                <a:ea typeface="Arial" charset="0"/>
+                <a:cs typeface="Arial" charset="0"/>
+              </a:defRPr>
+            </a:lvl1pPr>
+            <a:lvl2pPr marL="685800" indent="-228600" algn="l" defTabSz="914400" rtl="0" eaLnBrk="1" latinLnBrk="0" hangingPunct="1">
+              <a:lnSpc>
+                <a:spcPct val="90000"/>
+              </a:lnSpc>
+              <a:spcBef>
+                <a:spcPts val="500"/>
+              </a:spcBef>
+              <a:buFont typeface="Arial" panose="020B0604020202020204" pitchFamily="34" charset="0"/>
+              <a:buChar char="•"/>
+              <a:defRPr sz="2800" kern="1200">
+                <a:solidFill>
+                  <a:srgbClr val="FF0000"/>
+                </a:solidFill>
+                <a:latin typeface="Arial" charset="0"/>
+                <a:ea typeface="Arial" charset="0"/>
+                <a:cs typeface="Arial" charset="0"/>
+              </a:defRPr>
+            </a:lvl2pPr>
+            <a:lvl3pPr marL="1143000" indent="-228600" algn="l" defTabSz="914400" rtl="0" eaLnBrk="1" latinLnBrk="0" hangingPunct="1">
+              <a:lnSpc>
+                <a:spcPct val="90000"/>
+              </a:lnSpc>
+              <a:spcBef>
+                <a:spcPts val="500"/>
+              </a:spcBef>
+              <a:buFont typeface="Arial" panose="020B0604020202020204" pitchFamily="34" charset="0"/>
+              <a:buChar char="•"/>
+              <a:defRPr sz="2400" kern="1200">
+                <a:solidFill>
+                  <a:srgbClr val="002060"/>
+                </a:solidFill>
+                <a:latin typeface="Arial" charset="0"/>
+                <a:ea typeface="Arial" charset="0"/>
+                <a:cs typeface="Arial" charset="0"/>
+              </a:defRPr>
+            </a:lvl3pPr>
+            <a:lvl4pPr marL="1600200" indent="-228600" algn="l" defTabSz="914400" rtl="0" eaLnBrk="1" latinLnBrk="0" hangingPunct="1">
+              <a:lnSpc>
+                <a:spcPct val="90000"/>
+              </a:lnSpc>
+              <a:spcBef>
+                <a:spcPts val="500"/>
+              </a:spcBef>
+              <a:buFont typeface="Arial" panose="020B0604020202020204" pitchFamily="34" charset="0"/>
+              <a:buChar char="•"/>
+              <a:defRPr sz="2000" kern="1200">
+                <a:solidFill>
+                  <a:srgbClr val="FF0000"/>
+                </a:solidFill>
+                <a:latin typeface="Arial" charset="0"/>
+                <a:ea typeface="Arial" charset="0"/>
+                <a:cs typeface="Arial" charset="0"/>
+              </a:defRPr>
+            </a:lvl4pPr>
+            <a:lvl5pPr marL="2057400" indent="-228600" algn="l" defTabSz="914400" rtl="0" eaLnBrk="1" latinLnBrk="0" hangingPunct="1">
+              <a:lnSpc>
+                <a:spcPct val="90000"/>
+              </a:lnSpc>
+              <a:spcBef>
+                <a:spcPts val="500"/>
+              </a:spcBef>
+              <a:buFont typeface="Arial" panose="020B0604020202020204" pitchFamily="34" charset="0"/>
+              <a:buChar char="•"/>
+              <a:defRPr sz="2000" kern="1200">
+                <a:solidFill>
+                  <a:srgbClr val="002060"/>
+                </a:solidFill>
+                <a:latin typeface="Arial" charset="0"/>
+                <a:ea typeface="Arial" charset="0"/>
+                <a:cs typeface="Arial" charset="0"/>
+              </a:defRPr>
+            </a:lvl5pPr>
+            <a:lvl6pPr marL="2514600" indent="-228600" algn="l" defTabSz="914400" rtl="0" eaLnBrk="1" latinLnBrk="0" hangingPunct="1">
+              <a:lnSpc>
+                <a:spcPct val="90000"/>
+              </a:lnSpc>
+              <a:spcBef>
+                <a:spcPts val="500"/>
+              </a:spcBef>
+              <a:buFont typeface="Arial" panose="020B0604020202020204" pitchFamily="34" charset="0"/>
+              <a:buChar char="•"/>
+              <a:defRPr sz="1800" kern="1200">
+                <a:solidFill>
+                  <a:schemeClr val="tx1"/>
+                </a:solidFill>
+                <a:latin typeface="+mn-lt"/>
+                <a:ea typeface="+mn-ea"/>
+                <a:cs typeface="+mn-cs"/>
+              </a:defRPr>
+            </a:lvl6pPr>
+            <a:lvl7pPr marL="2971800" indent="-228600" algn="l" defTabSz="914400" rtl="0" eaLnBrk="1" latinLnBrk="0" hangingPunct="1">
+              <a:lnSpc>
+                <a:spcPct val="90000"/>
+              </a:lnSpc>
+              <a:spcBef>
+                <a:spcPts val="500"/>
+              </a:spcBef>
+              <a:buFont typeface="Arial" panose="020B0604020202020204" pitchFamily="34" charset="0"/>
+              <a:buChar char="•"/>
+              <a:defRPr sz="1800" kern="1200">
+                <a:solidFill>
+                  <a:schemeClr val="tx1"/>
+                </a:solidFill>
+                <a:latin typeface="+mn-lt"/>
+                <a:ea typeface="+mn-ea"/>
+                <a:cs typeface="+mn-cs"/>
+              </a:defRPr>
+            </a:lvl7pPr>
+            <a:lvl8pPr marL="3429000" indent="-228600" algn="l" defTabSz="914400" rtl="0" eaLnBrk="1" latinLnBrk="0" hangingPunct="1">
+              <a:lnSpc>
+                <a:spcPct val="90000"/>
+              </a:lnSpc>
+              <a:spcBef>
+                <a:spcPts val="500"/>
+              </a:spcBef>
+              <a:buFont typeface="Arial" panose="020B0604020202020204" pitchFamily="34" charset="0"/>
+              <a:buChar char="•"/>
+              <a:defRPr sz="1800" kern="1200">
+                <a:solidFill>
+                  <a:schemeClr val="tx1"/>
+                </a:solidFill>
+                <a:latin typeface="+mn-lt"/>
+                <a:ea typeface="+mn-ea"/>
+                <a:cs typeface="+mn-cs"/>
+              </a:defRPr>
+            </a:lvl8pPr>
+            <a:lvl9pPr marL="3886200" indent="-228600" algn="l" defTabSz="914400" rtl="0" eaLnBrk="1" latinLnBrk="0" hangingPunct="1">
+              <a:lnSpc>
+                <a:spcPct val="90000"/>
+              </a:lnSpc>
+              <a:spcBef>
+                <a:spcPts val="500"/>
+              </a:spcBef>
+              <a:buFont typeface="Arial" panose="020B0604020202020204" pitchFamily="34" charset="0"/>
+              <a:buChar char="•"/>
+              <a:defRPr sz="1800" kern="1200">
+                <a:solidFill>
+                  <a:schemeClr val="tx1"/>
+                </a:solidFill>
+                <a:latin typeface="+mn-lt"/>
+                <a:ea typeface="+mn-ea"/>
+                <a:cs typeface="+mn-cs"/>
+              </a:defRPr>
+            </a:lvl9pPr>
+          </a:lstStyle>
+          <a:p>
+            <a:r>
+              <a:rPr lang="en-US"/>
+              <a:t>Resampled</a:t>
+            </a:r>
+          </a:p>
+          <a:p>
+            <a:pPr lvl="1"/>
+            <a:r>
+              <a:rPr lang="en-US"/>
+              <a:t>Faster run time</a:t>
+            </a:r>
+          </a:p>
+          <a:p>
+            <a:pPr lvl="1"/>
+            <a:endParaRPr lang="en-US"/>
+          </a:p>
+          <a:p>
+            <a:endParaRPr lang="en-US" dirty="0"/>
+          </a:p>
+        </p:txBody>
+      </p:sp>
     </p:spTree>
     <p:extLst>
       <p:ext uri="{BB962C8B-B14F-4D97-AF65-F5344CB8AC3E}">
-        <p14:creationId xmlns:p14="http://schemas.microsoft.com/office/powerpoint/2010/main" val="1351481429"/>
+        <p14:creationId xmlns:p14="http://schemas.microsoft.com/office/powerpoint/2010/main" val="3649929973"/>
       </p:ext>
     </p:extLst>
   </p:cSld>
@@ -4235,7 +5155,7 @@
             </a:br>
             <a:r>
               <a:rPr lang="en-US" dirty="0"/>
-              <a:t>Support Vector Machine</a:t>
+              <a:t>Resampled</a:t>
             </a:r>
           </a:p>
         </p:txBody>
@@ -4252,7 +5172,7 @@
         </p:nvSpPr>
         <p:spPr>
           <a:xfrm>
-            <a:off x="628649" y="1825625"/>
+            <a:off x="307636" y="1825625"/>
             <a:ext cx="6735189" cy="4351338"/>
           </a:xfrm>
         </p:spPr>
@@ -4262,8 +5182,19 @@
           <a:p>
             <a:r>
               <a:rPr lang="en-US" dirty="0"/>
-              <a:t>Some text</a:t>
+              <a:t>Resampled</a:t>
             </a:r>
+          </a:p>
+          <a:p>
+            <a:pPr lvl="1"/>
+            <a:r>
+              <a:rPr lang="en-US" dirty="0"/>
+              <a:t>Faster run time</a:t>
+            </a:r>
+          </a:p>
+          <a:p>
+            <a:pPr lvl="1"/>
+            <a:endParaRPr lang="en-US" dirty="0"/>
           </a:p>
           <a:p>
             <a:endParaRPr lang="en-US" dirty="0"/>
@@ -4293,10 +5224,40 @@
           </a:p>
         </p:txBody>
       </p:sp>
+      <p:pic>
+        <p:nvPicPr>
+          <p:cNvPr id="6" name="Picture 5">
+            <a:extLst>
+              <a:ext uri="{FF2B5EF4-FFF2-40B4-BE49-F238E27FC236}">
+                <a16:creationId xmlns:a16="http://schemas.microsoft.com/office/drawing/2014/main" id="{B1D9343F-64D9-4BCF-B12C-28B022FA8CE8}"/>
+              </a:ext>
+            </a:extLst>
+          </p:cNvPr>
+          <p:cNvPicPr>
+            <a:picLocks noChangeAspect="1"/>
+          </p:cNvPicPr>
+          <p:nvPr/>
+        </p:nvPicPr>
+        <p:blipFill>
+          <a:blip r:embed="rId2"/>
+          <a:stretch>
+            <a:fillRect/>
+          </a:stretch>
+        </p:blipFill>
+        <p:spPr>
+          <a:xfrm>
+            <a:off x="4074061" y="1806169"/>
+            <a:ext cx="4577151" cy="4450008"/>
+          </a:xfrm>
+          <a:prstGeom prst="rect">
+            <a:avLst/>
+          </a:prstGeom>
+        </p:spPr>
+      </p:pic>
     </p:spTree>
     <p:extLst>
       <p:ext uri="{BB962C8B-B14F-4D97-AF65-F5344CB8AC3E}">
-        <p14:creationId xmlns:p14="http://schemas.microsoft.com/office/powerpoint/2010/main" val="3049198571"/>
+        <p14:creationId xmlns:p14="http://schemas.microsoft.com/office/powerpoint/2010/main" val="118969911"/>
       </p:ext>
     </p:extLst>
   </p:cSld>
@@ -4348,14 +5309,7 @@
           <a:p>
             <a:r>
               <a:rPr lang="en-US" dirty="0"/>
-              <a:t>Models</a:t>
-            </a:r>
-            <a:br>
-              <a:rPr lang="en-US" dirty="0"/>
-            </a:br>
-            <a:r>
-              <a:rPr lang="en-US" dirty="0"/>
-              <a:t>Resampling Data Set</a:t>
+              <a:t>Results</a:t>
             </a:r>
           </a:p>
         </p:txBody>
@@ -4372,7 +5326,7 @@
         </p:nvSpPr>
         <p:spPr>
           <a:xfrm>
-            <a:off x="628649" y="1825625"/>
+            <a:off x="628650" y="1735141"/>
             <a:ext cx="6735189" cy="4351338"/>
           </a:xfrm>
         </p:spPr>
@@ -4382,7 +5336,7 @@
           <a:p>
             <a:r>
               <a:rPr lang="en-US" dirty="0"/>
-              <a:t>Some text</a:t>
+              <a:t>Using resampled data</a:t>
             </a:r>
           </a:p>
           <a:p>
@@ -4413,10 +5367,107 @@
           </a:p>
         </p:txBody>
       </p:sp>
+      <p:pic>
+        <p:nvPicPr>
+          <p:cNvPr id="1026" name="Picture 1" descr="image003">
+            <a:extLst>
+              <a:ext uri="{FF2B5EF4-FFF2-40B4-BE49-F238E27FC236}">
+                <a16:creationId xmlns:a16="http://schemas.microsoft.com/office/drawing/2014/main" id="{19CAB35B-D273-4998-94DB-03027B3A4FCB}"/>
+              </a:ext>
+            </a:extLst>
+          </p:cNvPr>
+          <p:cNvPicPr>
+            <a:picLocks noChangeAspect="1" noChangeArrowheads="1"/>
+          </p:cNvPicPr>
+          <p:nvPr/>
+        </p:nvPicPr>
+        <p:blipFill>
+          <a:blip r:embed="rId2">
+            <a:extLst>
+              <a:ext uri="{28A0092B-C50C-407E-A947-70E740481C1C}">
+                <a14:useLocalDpi xmlns:a14="http://schemas.microsoft.com/office/drawing/2010/main" val="0"/>
+              </a:ext>
+            </a:extLst>
+          </a:blip>
+          <a:srcRect/>
+          <a:stretch>
+            <a:fillRect/>
+          </a:stretch>
+        </p:blipFill>
+        <p:spPr bwMode="auto">
+          <a:xfrm>
+            <a:off x="1291905" y="2201555"/>
+            <a:ext cx="6801776" cy="4110344"/>
+          </a:xfrm>
+          <a:prstGeom prst="rect">
+            <a:avLst/>
+          </a:prstGeom>
+          <a:noFill/>
+          <a:ln>
+            <a:noFill/>
+          </a:ln>
+          <a:extLst>
+            <a:ext uri="{909E8E84-426E-40DD-AFC4-6F175D3DCCD1}">
+              <a14:hiddenFill xmlns:a14="http://schemas.microsoft.com/office/drawing/2010/main">
+                <a:solidFill>
+                  <a:srgbClr val="FFFFFF"/>
+                </a:solidFill>
+              </a14:hiddenFill>
+            </a:ext>
+            <a:ext uri="{91240B29-F687-4F45-9708-019B960494DF}">
+              <a14:hiddenLine xmlns:a14="http://schemas.microsoft.com/office/drawing/2010/main" w="9525">
+                <a:solidFill>
+                  <a:srgbClr val="000000"/>
+                </a:solidFill>
+                <a:miter lim="800000"/>
+                <a:headEnd/>
+                <a:tailEnd/>
+              </a14:hiddenLine>
+            </a:ext>
+          </a:extLst>
+        </p:spPr>
+      </p:pic>
+      <p:sp>
+        <p:nvSpPr>
+          <p:cNvPr id="4" name="TextBox 3">
+            <a:extLst>
+              <a:ext uri="{FF2B5EF4-FFF2-40B4-BE49-F238E27FC236}">
+                <a16:creationId xmlns:a16="http://schemas.microsoft.com/office/drawing/2014/main" id="{7B0B8D6B-CB47-4833-8B0A-7A7B704A01E0}"/>
+              </a:ext>
+            </a:extLst>
+          </p:cNvPr>
+          <p:cNvSpPr txBox="1"/>
+          <p:nvPr/>
+        </p:nvSpPr>
+        <p:spPr>
+          <a:xfrm>
+            <a:off x="6634264" y="3842423"/>
+            <a:ext cx="1217832" cy="307777"/>
+          </a:xfrm>
+          <a:prstGeom prst="rect">
+            <a:avLst/>
+          </a:prstGeom>
+          <a:solidFill>
+            <a:schemeClr val="bg1"/>
+          </a:solidFill>
+        </p:spPr>
+        <p:txBody>
+          <a:bodyPr wrap="square" rtlCol="0">
+            <a:spAutoFit/>
+          </a:bodyPr>
+          <a:lstStyle/>
+          <a:p>
+            <a:r>
+              <a:rPr lang="en-US" sz="1400" dirty="0"/>
+              <a:t>Mis-classified</a:t>
+            </a:r>
+          </a:p>
+        </p:txBody>
+      </p:sp>
     </p:spTree>
     <p:extLst>
       <p:ext uri="{BB962C8B-B14F-4D97-AF65-F5344CB8AC3E}">
-        <p14:creationId xmlns:p14="http://schemas.microsoft.com/office/powerpoint/2010/main" val="3307712076"/>
+        <p14:creationId xmlns:p14="http://schemas.microsoft.com/office/powerpoint/2010/main" val="1351481429"/>
       </p:ext>
     </p:extLst>
   </p:cSld>
@@ -53603,6 +54654,13 @@
               <a:rPr lang="en-US" dirty="0"/>
               <a:t>Data Cleansing</a:t>
             </a:r>
+            <a:br>
+              <a:rPr lang="en-US" dirty="0"/>
+            </a:br>
+            <a:r>
+              <a:rPr lang="en-US" dirty="0"/>
+              <a:t>Feature Selection</a:t>
+            </a:r>
           </a:p>
         </p:txBody>
       </p:sp>
@@ -53618,52 +54676,45 @@
         </p:nvSpPr>
         <p:spPr>
           <a:xfrm>
-            <a:off x="628649" y="1825625"/>
-            <a:ext cx="4906389" cy="4351338"/>
+            <a:off x="628648" y="1825625"/>
+            <a:ext cx="7785777" cy="4351338"/>
           </a:xfrm>
         </p:spPr>
         <p:txBody>
           <a:bodyPr>
-            <a:normAutofit fontScale="92500" lnSpcReduction="20000"/>
+            <a:normAutofit/>
           </a:bodyPr>
           <a:lstStyle/>
           <a:p>
             <a:r>
               <a:rPr lang="en-US" dirty="0"/>
-              <a:t>Business sponsor decimated rows with specific logic</a:t>
+              <a:t>To reduce features to manageable set</a:t>
+            </a:r>
+          </a:p>
+          <a:p>
+            <a:r>
+              <a:rPr lang="en-US" dirty="0"/>
+              <a:t>Grid search applied after initial results</a:t>
             </a:r>
           </a:p>
           <a:p>
             <a:pPr lvl="1"/>
             <a:r>
               <a:rPr lang="en-US" dirty="0"/>
-              <a:t>2.96M to 729K rows</a:t>
+              <a:t>Original features not aligned with business knowledge</a:t>
             </a:r>
           </a:p>
           <a:p>
             <a:r>
               <a:rPr lang="en-US" dirty="0"/>
-              <a:t>Removed columns</a:t>
+              <a:t>Decision Tree Classifier approach used</a:t>
             </a:r>
           </a:p>
           <a:p>
             <a:pPr lvl="1"/>
             <a:r>
               <a:rPr lang="en-US" dirty="0"/>
-              <a:t>Empty, 1 value, 85% was NULL</a:t>
-            </a:r>
-          </a:p>
-          <a:p>
-            <a:pPr lvl="1"/>
-            <a:r>
-              <a:rPr lang="en-US" dirty="0"/>
-              <a:t>505 features to 122 features</a:t>
-            </a:r>
-          </a:p>
-          <a:p>
-            <a:r>
-              <a:rPr lang="en-US" dirty="0"/>
-              <a:t>Created process to import data from Nabors to database</a:t>
+              <a:t>Top 50% quartile, 11 features explained 99% of the variance </a:t>
             </a:r>
           </a:p>
           <a:p>
@@ -53694,40 +54745,10 @@
           </a:p>
         </p:txBody>
       </p:sp>
-      <p:pic>
-        <p:nvPicPr>
-          <p:cNvPr id="4" name="Picture 3">
-            <a:extLst>
-              <a:ext uri="{FF2B5EF4-FFF2-40B4-BE49-F238E27FC236}">
-                <a16:creationId xmlns:a16="http://schemas.microsoft.com/office/drawing/2014/main" id="{2175C18A-6350-4543-B464-81B9A6F1508A}"/>
-              </a:ext>
-            </a:extLst>
-          </p:cNvPr>
-          <p:cNvPicPr>
-            <a:picLocks noChangeAspect="1"/>
-          </p:cNvPicPr>
-          <p:nvPr/>
-        </p:nvPicPr>
-        <p:blipFill>
-          <a:blip r:embed="rId2"/>
-          <a:stretch>
-            <a:fillRect/>
-          </a:stretch>
-        </p:blipFill>
-        <p:spPr>
-          <a:xfrm>
-            <a:off x="5635948" y="1825625"/>
-            <a:ext cx="3105583" cy="3067478"/>
-          </a:xfrm>
-          <a:prstGeom prst="rect">
-            <a:avLst/>
-          </a:prstGeom>
-        </p:spPr>
-      </p:pic>
     </p:spTree>
     <p:extLst>
       <p:ext uri="{BB962C8B-B14F-4D97-AF65-F5344CB8AC3E}">
-        <p14:creationId xmlns:p14="http://schemas.microsoft.com/office/powerpoint/2010/main" val="3532441672"/>
+        <p14:creationId xmlns:p14="http://schemas.microsoft.com/office/powerpoint/2010/main" val="2013336079"/>
       </p:ext>
     </p:extLst>
   </p:cSld>

--- a/LightningPresentation/Serna_Vasquez_Lightning_v1.pptx
+++ b/LightningPresentation/Serna_Vasquez_Lightning_v1.pptx
@@ -211,7 +211,7 @@
           <a:p>
             <a:fld id="{935336F5-A68D-9A4A-83AB-B8CD6FA5C732}" type="datetimeFigureOut">
               <a:rPr lang="en-US" smtClean="0"/>
-              <a:t>9/8/2019</a:t>
+              <a:t>9/22/2019</a:t>
             </a:fld>
             <a:endParaRPr lang="en-US"/>
           </a:p>
@@ -860,7 +860,7 @@
           <a:p>
             <a:fld id="{D8AC05B1-2526-7C44-8A74-66C916069F4A}" type="datetime1">
               <a:rPr lang="en-US" smtClean="0"/>
-              <a:t>9/8/2019</a:t>
+              <a:t>9/22/2019</a:t>
             </a:fld>
             <a:endParaRPr lang="en-US"/>
           </a:p>
@@ -1051,7 +1051,7 @@
           <a:p>
             <a:fld id="{C0E5C021-D243-504D-84B8-D45D829E8B6B}" type="datetime1">
               <a:rPr lang="en-US" smtClean="0"/>
-              <a:t>9/8/2019</a:t>
+              <a:t>9/22/2019</a:t>
             </a:fld>
             <a:endParaRPr lang="en-US"/>
           </a:p>
@@ -1232,7 +1232,7 @@
           <a:p>
             <a:fld id="{B6F93F85-28A1-8344-9763-EF19E19F9128}" type="datetime1">
               <a:rPr lang="en-US" smtClean="0"/>
-              <a:t>9/8/2019</a:t>
+              <a:t>9/22/2019</a:t>
             </a:fld>
             <a:endParaRPr lang="en-US"/>
           </a:p>
@@ -1496,7 +1496,7 @@
           <a:p>
             <a:fld id="{A2B5E9FB-9AD4-754B-A772-6D3733DD5BAC}" type="datetime1">
               <a:rPr lang="en-US" smtClean="0"/>
-              <a:t>9/8/2019</a:t>
+              <a:t>9/22/2019</a:t>
             </a:fld>
             <a:endParaRPr lang="en-US"/>
           </a:p>
@@ -1739,7 +1739,7 @@
           <a:p>
             <a:fld id="{3140DF9E-9222-EE48-A64D-28DE5FAE4784}" type="datetime1">
               <a:rPr lang="en-US" smtClean="0"/>
-              <a:t>9/8/2019</a:t>
+              <a:t>9/22/2019</a:t>
             </a:fld>
             <a:endParaRPr lang="en-US"/>
           </a:p>
@@ -2117,7 +2117,7 @@
           <a:p>
             <a:fld id="{A61490FA-57A5-0041-9FDC-ACD83A9AA0E7}" type="datetime1">
               <a:rPr lang="en-US" smtClean="0"/>
-              <a:t>9/8/2019</a:t>
+              <a:t>9/22/2019</a:t>
             </a:fld>
             <a:endParaRPr lang="en-US"/>
           </a:p>
@@ -2246,7 +2246,7 @@
           <a:p>
             <a:fld id="{7E8290BC-2F66-E549-BF33-0BE20A5801B5}" type="datetime1">
               <a:rPr lang="en-US" smtClean="0"/>
-              <a:t>9/8/2019</a:t>
+              <a:t>9/22/2019</a:t>
             </a:fld>
             <a:endParaRPr lang="en-US"/>
           </a:p>
@@ -2352,7 +2352,7 @@
           <a:p>
             <a:fld id="{3BC728CC-7587-8545-9431-C9A8BB34EC62}" type="datetime1">
               <a:rPr lang="en-US" smtClean="0"/>
-              <a:t>9/8/2019</a:t>
+              <a:t>9/22/2019</a:t>
             </a:fld>
             <a:endParaRPr lang="en-US"/>
           </a:p>
@@ -2640,7 +2640,7 @@
           <a:p>
             <a:fld id="{9A66CD15-5422-0542-9CE8-BC312846333A}" type="datetime1">
               <a:rPr lang="en-US" smtClean="0"/>
-              <a:t>9/8/2019</a:t>
+              <a:t>9/22/2019</a:t>
             </a:fld>
             <a:endParaRPr lang="en-US"/>
           </a:p>
@@ -2908,7 +2908,7 @@
           <a:p>
             <a:fld id="{2A2384D1-AE54-4D4A-B83F-6EAD03BEB987}" type="datetime1">
               <a:rPr lang="en-US" smtClean="0"/>
-              <a:t>9/8/2019</a:t>
+              <a:t>9/22/2019</a:t>
             </a:fld>
             <a:endParaRPr lang="en-US"/>
           </a:p>
@@ -3876,34 +3876,11 @@
           <a:p>
             <a:r>
               <a:rPr lang="en-US" dirty="0"/>
-              <a:t>To reduce features to manageable set</a:t>
+              <a:t>Feature Selection Results</a:t>
             </a:r>
           </a:p>
           <a:p>
-            <a:r>
-              <a:rPr lang="en-US" dirty="0"/>
-              <a:t>Grid search applied after initial results</a:t>
-            </a:r>
-          </a:p>
-          <a:p>
-            <a:pPr lvl="1"/>
-            <a:r>
-              <a:rPr lang="en-US" dirty="0"/>
-              <a:t>Original features not aligned with business knowledge</a:t>
-            </a:r>
-          </a:p>
-          <a:p>
-            <a:r>
-              <a:rPr lang="en-US" dirty="0"/>
-              <a:t>Decision Tree Classifier approach used</a:t>
-            </a:r>
-          </a:p>
-          <a:p>
-            <a:pPr lvl="1"/>
-            <a:r>
-              <a:rPr lang="en-US" dirty="0"/>
-              <a:t>Top 50% quartile, 11 features explained 99% of the variance </a:t>
-            </a:r>
+            <a:endParaRPr lang="en-US" dirty="0"/>
           </a:p>
           <a:p>
             <a:endParaRPr lang="en-US" dirty="0"/>
@@ -3933,6 +3910,36 @@
           </a:p>
         </p:txBody>
       </p:sp>
+      <p:pic>
+        <p:nvPicPr>
+          <p:cNvPr id="4" name="Picture 3">
+            <a:extLst>
+              <a:ext uri="{FF2B5EF4-FFF2-40B4-BE49-F238E27FC236}">
+                <a16:creationId xmlns:a16="http://schemas.microsoft.com/office/drawing/2014/main" id="{B39C3C6E-F720-4DC4-93D6-CCF06E8532F2}"/>
+              </a:ext>
+            </a:extLst>
+          </p:cNvPr>
+          <p:cNvPicPr>
+            <a:picLocks noChangeAspect="1"/>
+          </p:cNvPicPr>
+          <p:nvPr/>
+        </p:nvPicPr>
+        <p:blipFill>
+          <a:blip r:embed="rId2"/>
+          <a:stretch>
+            <a:fillRect/>
+          </a:stretch>
+        </p:blipFill>
+        <p:spPr>
+          <a:xfrm>
+            <a:off x="2182565" y="2431760"/>
+            <a:ext cx="4020111" cy="3667637"/>
+          </a:xfrm>
+          <a:prstGeom prst="rect">
+            <a:avLst/>
+          </a:prstGeom>
+        </p:spPr>
+      </p:pic>
     </p:spTree>
     <p:extLst>
       <p:ext uri="{BB962C8B-B14F-4D97-AF65-F5344CB8AC3E}">
@@ -3989,6 +3996,13 @@
             <a:r>
               <a:rPr lang="en-US" dirty="0"/>
               <a:t>Models</a:t>
+            </a:r>
+            <a:br>
+              <a:rPr lang="en-US" dirty="0"/>
+            </a:br>
+            <a:r>
+              <a:rPr lang="en-US" dirty="0"/>
+              <a:t>No Re-Sampling</a:t>
             </a:r>
           </a:p>
         </p:txBody>

--- a/LightningPresentation/Serna_Vasquez_Lightning_v1.pptx
+++ b/LightningPresentation/Serna_Vasquez_Lightning_v1.pptx
@@ -5107,6 +5107,82 @@
           </a:p>
         </p:txBody>
       </p:sp>
+      <p:sp>
+        <p:nvSpPr>
+          <p:cNvPr id="3" name="TextBox 2">
+            <a:extLst>
+              <a:ext uri="{FF2B5EF4-FFF2-40B4-BE49-F238E27FC236}">
+                <a16:creationId xmlns:a16="http://schemas.microsoft.com/office/drawing/2014/main" id="{6F59C3A7-8110-4543-A027-B10C14F25F27}"/>
+              </a:ext>
+            </a:extLst>
+          </p:cNvPr>
+          <p:cNvSpPr txBox="1"/>
+          <p:nvPr/>
+        </p:nvSpPr>
+        <p:spPr>
+          <a:xfrm>
+            <a:off x="5150498" y="5010539"/>
+            <a:ext cx="1175657" cy="369332"/>
+          </a:xfrm>
+          <a:prstGeom prst="rect">
+            <a:avLst/>
+          </a:prstGeom>
+          <a:solidFill>
+            <a:schemeClr val="bg1"/>
+          </a:solidFill>
+        </p:spPr>
+        <p:txBody>
+          <a:bodyPr wrap="square" rtlCol="0">
+            <a:spAutoFit/>
+          </a:bodyPr>
+          <a:lstStyle/>
+          <a:p>
+            <a:pPr algn="ctr"/>
+            <a:r>
+              <a:rPr lang="en-US" dirty="0"/>
+              <a:t>Raw Data</a:t>
+            </a:r>
+          </a:p>
+        </p:txBody>
+      </p:sp>
+      <p:sp>
+        <p:nvSpPr>
+          <p:cNvPr id="9" name="TextBox 8">
+            <a:extLst>
+              <a:ext uri="{FF2B5EF4-FFF2-40B4-BE49-F238E27FC236}">
+                <a16:creationId xmlns:a16="http://schemas.microsoft.com/office/drawing/2014/main" id="{7A9E3B88-0050-4ADB-93BA-39361A6B1241}"/>
+              </a:ext>
+            </a:extLst>
+          </p:cNvPr>
+          <p:cNvSpPr txBox="1"/>
+          <p:nvPr/>
+        </p:nvSpPr>
+        <p:spPr>
+          <a:xfrm>
+            <a:off x="2035265" y="3496683"/>
+            <a:ext cx="1790287" cy="646331"/>
+          </a:xfrm>
+          <a:prstGeom prst="rect">
+            <a:avLst/>
+          </a:prstGeom>
+          <a:solidFill>
+            <a:schemeClr val="bg1"/>
+          </a:solidFill>
+        </p:spPr>
+        <p:txBody>
+          <a:bodyPr wrap="square" rtlCol="0">
+            <a:spAutoFit/>
+          </a:bodyPr>
+          <a:lstStyle/>
+          <a:p>
+            <a:pPr algn="ctr"/>
+            <a:r>
+              <a:rPr lang="en-US" dirty="0"/>
+              <a:t>Resampled 1 Minute Data</a:t>
+            </a:r>
+          </a:p>
+        </p:txBody>
+      </p:sp>
     </p:spTree>
     <p:extLst>
       <p:ext uri="{BB962C8B-B14F-4D97-AF65-F5344CB8AC3E}">
@@ -5240,10 +5316,10 @@
       </p:sp>
       <p:pic>
         <p:nvPicPr>
-          <p:cNvPr id="6" name="Picture 5">
+          <p:cNvPr id="4" name="Picture 3">
             <a:extLst>
               <a:ext uri="{FF2B5EF4-FFF2-40B4-BE49-F238E27FC236}">
-                <a16:creationId xmlns:a16="http://schemas.microsoft.com/office/drawing/2014/main" id="{B1D9343F-64D9-4BCF-B12C-28B022FA8CE8}"/>
+                <a16:creationId xmlns:a16="http://schemas.microsoft.com/office/drawing/2014/main" id="{557D296A-9013-42E0-A0C8-34D806D2284E}"/>
               </a:ext>
             </a:extLst>
           </p:cNvPr>
@@ -5260,8 +5336,8 @@
         </p:blipFill>
         <p:spPr>
           <a:xfrm>
-            <a:off x="4074061" y="1806169"/>
-            <a:ext cx="4577151" cy="4450008"/>
+            <a:off x="4012163" y="1909872"/>
+            <a:ext cx="4369523" cy="4227296"/>
           </a:xfrm>
           <a:prstGeom prst="rect">
             <a:avLst/>

--- a/LightningPresentation/Serna_Vasquez_Lightning_v1.pptx
+++ b/LightningPresentation/Serna_Vasquez_Lightning_v1.pptx
@@ -5,7 +5,7 @@
     <p:sldMasterId id="2147483660" r:id="rId1"/>
   </p:sldMasterIdLst>
   <p:notesMasterIdLst>
-    <p:notesMasterId r:id="rId17"/>
+    <p:notesMasterId r:id="rId22"/>
   </p:notesMasterIdLst>
   <p:sldIdLst>
     <p:sldId id="256" r:id="rId2"/>
@@ -22,7 +22,12 @@
     <p:sldId id="290" r:id="rId13"/>
     <p:sldId id="291" r:id="rId14"/>
     <p:sldId id="287" r:id="rId15"/>
-    <p:sldId id="276" r:id="rId16"/>
+    <p:sldId id="293" r:id="rId16"/>
+    <p:sldId id="294" r:id="rId17"/>
+    <p:sldId id="295" r:id="rId18"/>
+    <p:sldId id="296" r:id="rId19"/>
+    <p:sldId id="297" r:id="rId20"/>
+    <p:sldId id="276" r:id="rId21"/>
   </p:sldIdLst>
   <p:sldSz cx="9144000" cy="6858000" type="screen4x3"/>
   <p:notesSz cx="6858000" cy="9144000"/>
@@ -211,7 +216,7 @@
           <a:p>
             <a:fld id="{935336F5-A68D-9A4A-83AB-B8CD6FA5C732}" type="datetimeFigureOut">
               <a:rPr lang="en-US" smtClean="0"/>
-              <a:t>9/22/2019</a:t>
+              <a:t>9/24/2019</a:t>
             </a:fld>
             <a:endParaRPr lang="en-US"/>
           </a:p>
@@ -860,7 +865,7 @@
           <a:p>
             <a:fld id="{D8AC05B1-2526-7C44-8A74-66C916069F4A}" type="datetime1">
               <a:rPr lang="en-US" smtClean="0"/>
-              <a:t>9/22/2019</a:t>
+              <a:t>9/24/2019</a:t>
             </a:fld>
             <a:endParaRPr lang="en-US"/>
           </a:p>
@@ -1051,7 +1056,7 @@
           <a:p>
             <a:fld id="{C0E5C021-D243-504D-84B8-D45D829E8B6B}" type="datetime1">
               <a:rPr lang="en-US" smtClean="0"/>
-              <a:t>9/22/2019</a:t>
+              <a:t>9/24/2019</a:t>
             </a:fld>
             <a:endParaRPr lang="en-US"/>
           </a:p>
@@ -1232,7 +1237,7 @@
           <a:p>
             <a:fld id="{B6F93F85-28A1-8344-9763-EF19E19F9128}" type="datetime1">
               <a:rPr lang="en-US" smtClean="0"/>
-              <a:t>9/22/2019</a:t>
+              <a:t>9/24/2019</a:t>
             </a:fld>
             <a:endParaRPr lang="en-US"/>
           </a:p>
@@ -1496,7 +1501,7 @@
           <a:p>
             <a:fld id="{A2B5E9FB-9AD4-754B-A772-6D3733DD5BAC}" type="datetime1">
               <a:rPr lang="en-US" smtClean="0"/>
-              <a:t>9/22/2019</a:t>
+              <a:t>9/24/2019</a:t>
             </a:fld>
             <a:endParaRPr lang="en-US"/>
           </a:p>
@@ -1739,7 +1744,7 @@
           <a:p>
             <a:fld id="{3140DF9E-9222-EE48-A64D-28DE5FAE4784}" type="datetime1">
               <a:rPr lang="en-US" smtClean="0"/>
-              <a:t>9/22/2019</a:t>
+              <a:t>9/24/2019</a:t>
             </a:fld>
             <a:endParaRPr lang="en-US"/>
           </a:p>
@@ -2117,7 +2122,7 @@
           <a:p>
             <a:fld id="{A61490FA-57A5-0041-9FDC-ACD83A9AA0E7}" type="datetime1">
               <a:rPr lang="en-US" smtClean="0"/>
-              <a:t>9/22/2019</a:t>
+              <a:t>9/24/2019</a:t>
             </a:fld>
             <a:endParaRPr lang="en-US"/>
           </a:p>
@@ -2246,7 +2251,7 @@
           <a:p>
             <a:fld id="{7E8290BC-2F66-E549-BF33-0BE20A5801B5}" type="datetime1">
               <a:rPr lang="en-US" smtClean="0"/>
-              <a:t>9/22/2019</a:t>
+              <a:t>9/24/2019</a:t>
             </a:fld>
             <a:endParaRPr lang="en-US"/>
           </a:p>
@@ -2352,7 +2357,7 @@
           <a:p>
             <a:fld id="{3BC728CC-7587-8545-9431-C9A8BB34EC62}" type="datetime1">
               <a:rPr lang="en-US" smtClean="0"/>
-              <a:t>9/22/2019</a:t>
+              <a:t>9/24/2019</a:t>
             </a:fld>
             <a:endParaRPr lang="en-US"/>
           </a:p>
@@ -2640,7 +2645,7 @@
           <a:p>
             <a:fld id="{9A66CD15-5422-0542-9CE8-BC312846333A}" type="datetime1">
               <a:rPr lang="en-US" smtClean="0"/>
-              <a:t>9/22/2019</a:t>
+              <a:t>9/24/2019</a:t>
             </a:fld>
             <a:endParaRPr lang="en-US"/>
           </a:p>
@@ -2908,7 +2913,7 @@
           <a:p>
             <a:fld id="{2A2384D1-AE54-4D4A-B83F-6EAD03BEB987}" type="datetime1">
               <a:rPr lang="en-US" smtClean="0"/>
-              <a:t>9/22/2019</a:t>
+              <a:t>9/24/2019</a:t>
             </a:fld>
             <a:endParaRPr lang="en-US"/>
           </a:p>
@@ -5609,7 +5614,7 @@
           <a:p>
             <a:r>
               <a:rPr lang="en-US" dirty="0"/>
-              <a:t>Last Slide</a:t>
+              <a:t>Business Requirements</a:t>
             </a:r>
           </a:p>
         </p:txBody>
@@ -5624,21 +5629,63 @@
             <p:ph idx="1"/>
           </p:nvPr>
         </p:nvSpPr>
-        <p:spPr/>
+        <p:spPr>
+          <a:xfrm>
+            <a:off x="628650" y="1735141"/>
+            <a:ext cx="6735189" cy="4351338"/>
+          </a:xfrm>
+        </p:spPr>
         <p:txBody>
           <a:bodyPr/>
           <a:lstStyle/>
           <a:p>
             <a:r>
               <a:rPr lang="en-US" dirty="0"/>
-              <a:t>Fade to black after 15 seconds</a:t>
+              <a:t>Ability to predict X amount of time units into the future</a:t>
             </a:r>
+          </a:p>
+          <a:p>
+            <a:pPr lvl="1"/>
+            <a:r>
+              <a:rPr lang="en-US" dirty="0"/>
+              <a:t>Become proactive in drilling operations</a:t>
+            </a:r>
+          </a:p>
+          <a:p>
+            <a:pPr lvl="1"/>
+            <a:r>
+              <a:rPr lang="en-US" dirty="0"/>
+              <a:t>Maintain longer rate of penetrations</a:t>
+            </a:r>
+          </a:p>
+          <a:p>
+            <a:pPr lvl="1"/>
+            <a:r>
+              <a:rPr lang="en-US" dirty="0"/>
+              <a:t>Lower total well cost</a:t>
+            </a:r>
+          </a:p>
+          <a:p>
+            <a:r>
+              <a:rPr lang="en-US" dirty="0"/>
+              <a:t>Issues</a:t>
+            </a:r>
+          </a:p>
+          <a:p>
+            <a:pPr lvl="1"/>
+            <a:r>
+              <a:rPr lang="en-US" dirty="0"/>
+              <a:t>Accuracy of predictions</a:t>
+            </a:r>
+          </a:p>
+          <a:p>
+            <a:endParaRPr lang="en-US" dirty="0"/>
           </a:p>
         </p:txBody>
       </p:sp>
       <p:sp>
         <p:nvSpPr>
-          <p:cNvPr id="4" name="Slide Number Placeholder 3"/>
+          <p:cNvPr id="5" name="Slide Number Placeholder 4"/>
           <p:cNvSpPr>
             <a:spLocks noGrp="1"/>
           </p:cNvSpPr>
@@ -5662,7 +5709,539 @@
     </p:spTree>
     <p:extLst>
       <p:ext uri="{BB962C8B-B14F-4D97-AF65-F5344CB8AC3E}">
-        <p14:creationId xmlns:p14="http://schemas.microsoft.com/office/powerpoint/2010/main" val="1571250658"/>
+        <p14:creationId xmlns:p14="http://schemas.microsoft.com/office/powerpoint/2010/main" val="4164167222"/>
+      </p:ext>
+    </p:extLst>
+  </p:cSld>
+  <p:clrMapOvr>
+    <a:masterClrMapping/>
+  </p:clrMapOvr>
+  <mc:AlternateContent xmlns:mc="http://schemas.openxmlformats.org/markup-compatibility/2006" xmlns:p14="http://schemas.microsoft.com/office/powerpoint/2010/main">
+    <mc:Choice Requires="p14">
+      <p:transition p14:dur="0" advClick="0" advTm="15000"/>
+    </mc:Choice>
+    <mc:Fallback xmlns="">
+      <p:transition advClick="0" advTm="15000"/>
+    </mc:Fallback>
+  </mc:AlternateContent>
+</p:sld>
+</file>
+
+<file path=ppt/slides/slide16.xml><?xml version="1.0" encoding="utf-8"?>
+<p:sld xmlns:a="http://schemas.openxmlformats.org/drawingml/2006/main" xmlns:r="http://schemas.openxmlformats.org/officeDocument/2006/relationships" xmlns:p="http://schemas.openxmlformats.org/presentationml/2006/main">
+  <p:cSld>
+    <p:spTree>
+      <p:nvGrpSpPr>
+        <p:cNvPr id="1" name=""/>
+        <p:cNvGrpSpPr/>
+        <p:nvPr/>
+      </p:nvGrpSpPr>
+      <p:grpSpPr>
+        <a:xfrm>
+          <a:off x="0" y="0"/>
+          <a:ext cx="0" cy="0"/>
+          <a:chOff x="0" y="0"/>
+          <a:chExt cx="0" cy="0"/>
+        </a:xfrm>
+      </p:grpSpPr>
+      <p:sp>
+        <p:nvSpPr>
+          <p:cNvPr id="2" name="Title 1"/>
+          <p:cNvSpPr>
+            <a:spLocks noGrp="1"/>
+          </p:cNvSpPr>
+          <p:nvPr>
+            <p:ph type="title"/>
+          </p:nvPr>
+        </p:nvSpPr>
+        <p:spPr/>
+        <p:txBody>
+          <a:bodyPr/>
+          <a:lstStyle/>
+          <a:p>
+            <a:r>
+              <a:rPr lang="en-US" dirty="0"/>
+              <a:t>Business Requirements</a:t>
+            </a:r>
+          </a:p>
+        </p:txBody>
+      </p:sp>
+      <p:sp>
+        <p:nvSpPr>
+          <p:cNvPr id="3" name="Content Placeholder 2"/>
+          <p:cNvSpPr>
+            <a:spLocks noGrp="1"/>
+          </p:cNvSpPr>
+          <p:nvPr>
+            <p:ph idx="1"/>
+          </p:nvPr>
+        </p:nvSpPr>
+        <p:spPr>
+          <a:xfrm>
+            <a:off x="628650" y="1735141"/>
+            <a:ext cx="6735189" cy="4351338"/>
+          </a:xfrm>
+        </p:spPr>
+        <p:txBody>
+          <a:bodyPr/>
+          <a:lstStyle/>
+          <a:p>
+            <a:r>
+              <a:rPr lang="en-US" dirty="0"/>
+              <a:t>“</a:t>
+            </a:r>
+            <a:r>
+              <a:rPr lang="en-US" dirty="0" err="1"/>
+              <a:t>jump_ahead</a:t>
+            </a:r>
+            <a:r>
+              <a:rPr lang="en-US" dirty="0"/>
+              <a:t>” function created to predict X time units into future</a:t>
+            </a:r>
+          </a:p>
+          <a:p>
+            <a:endParaRPr lang="en-US" dirty="0"/>
+          </a:p>
+        </p:txBody>
+      </p:sp>
+      <p:sp>
+        <p:nvSpPr>
+          <p:cNvPr id="5" name="Slide Number Placeholder 4"/>
+          <p:cNvSpPr>
+            <a:spLocks noGrp="1"/>
+          </p:cNvSpPr>
+          <p:nvPr>
+            <p:ph type="sldNum" sz="quarter" idx="12"/>
+          </p:nvPr>
+        </p:nvSpPr>
+        <p:spPr/>
+        <p:txBody>
+          <a:bodyPr/>
+          <a:lstStyle/>
+          <a:p>
+            <a:fld id="{38327683-8978-6B4B-9130-4A6A841F0549}" type="slidenum">
+              <a:rPr lang="en-US" smtClean="0"/>
+              <a:t>16</a:t>
+            </a:fld>
+            <a:endParaRPr lang="en-US" dirty="0"/>
+          </a:p>
+        </p:txBody>
+      </p:sp>
+      <p:pic>
+        <p:nvPicPr>
+          <p:cNvPr id="4" name="Picture 3">
+            <a:extLst>
+              <a:ext uri="{FF2B5EF4-FFF2-40B4-BE49-F238E27FC236}">
+                <a16:creationId xmlns:a16="http://schemas.microsoft.com/office/drawing/2014/main" id="{D8ED6BB8-1D3D-4821-9A6A-B945231792F9}"/>
+              </a:ext>
+            </a:extLst>
+          </p:cNvPr>
+          <p:cNvPicPr>
+            <a:picLocks noChangeAspect="1"/>
+          </p:cNvPicPr>
+          <p:nvPr/>
+        </p:nvPicPr>
+        <p:blipFill>
+          <a:blip r:embed="rId2"/>
+          <a:stretch>
+            <a:fillRect/>
+          </a:stretch>
+        </p:blipFill>
+        <p:spPr>
+          <a:xfrm>
+            <a:off x="2387667" y="2908178"/>
+            <a:ext cx="3740751" cy="3313237"/>
+          </a:xfrm>
+          <a:prstGeom prst="rect">
+            <a:avLst/>
+          </a:prstGeom>
+        </p:spPr>
+      </p:pic>
+    </p:spTree>
+    <p:extLst>
+      <p:ext uri="{BB962C8B-B14F-4D97-AF65-F5344CB8AC3E}">
+        <p14:creationId xmlns:p14="http://schemas.microsoft.com/office/powerpoint/2010/main" val="1816829656"/>
+      </p:ext>
+    </p:extLst>
+  </p:cSld>
+  <p:clrMapOvr>
+    <a:masterClrMapping/>
+  </p:clrMapOvr>
+  <mc:AlternateContent xmlns:mc="http://schemas.openxmlformats.org/markup-compatibility/2006" xmlns:p14="http://schemas.microsoft.com/office/powerpoint/2010/main">
+    <mc:Choice Requires="p14">
+      <p:transition p14:dur="0" advClick="0" advTm="15000"/>
+    </mc:Choice>
+    <mc:Fallback xmlns="">
+      <p:transition advClick="0" advTm="15000"/>
+    </mc:Fallback>
+  </mc:AlternateContent>
+</p:sld>
+</file>
+
+<file path=ppt/slides/slide17.xml><?xml version="1.0" encoding="utf-8"?>
+<p:sld xmlns:a="http://schemas.openxmlformats.org/drawingml/2006/main" xmlns:r="http://schemas.openxmlformats.org/officeDocument/2006/relationships" xmlns:p="http://schemas.openxmlformats.org/presentationml/2006/main">
+  <p:cSld>
+    <p:spTree>
+      <p:nvGrpSpPr>
+        <p:cNvPr id="1" name=""/>
+        <p:cNvGrpSpPr/>
+        <p:nvPr/>
+      </p:nvGrpSpPr>
+      <p:grpSpPr>
+        <a:xfrm>
+          <a:off x="0" y="0"/>
+          <a:ext cx="0" cy="0"/>
+          <a:chOff x="0" y="0"/>
+          <a:chExt cx="0" cy="0"/>
+        </a:xfrm>
+      </p:grpSpPr>
+      <p:sp>
+        <p:nvSpPr>
+          <p:cNvPr id="2" name="Title 1"/>
+          <p:cNvSpPr>
+            <a:spLocks noGrp="1"/>
+          </p:cNvSpPr>
+          <p:nvPr>
+            <p:ph type="title"/>
+          </p:nvPr>
+        </p:nvSpPr>
+        <p:spPr/>
+        <p:txBody>
+          <a:bodyPr/>
+          <a:lstStyle/>
+          <a:p>
+            <a:r>
+              <a:rPr lang="en-US" dirty="0"/>
+              <a:t>Future Predictions</a:t>
+            </a:r>
+          </a:p>
+        </p:txBody>
+      </p:sp>
+      <p:sp>
+        <p:nvSpPr>
+          <p:cNvPr id="3" name="Content Placeholder 2"/>
+          <p:cNvSpPr>
+            <a:spLocks noGrp="1"/>
+          </p:cNvSpPr>
+          <p:nvPr>
+            <p:ph idx="1"/>
+          </p:nvPr>
+        </p:nvSpPr>
+        <p:spPr>
+          <a:xfrm>
+            <a:off x="628650" y="1735141"/>
+            <a:ext cx="8401050" cy="4351338"/>
+          </a:xfrm>
+        </p:spPr>
+        <p:txBody>
+          <a:bodyPr/>
+          <a:lstStyle/>
+          <a:p>
+            <a:r>
+              <a:rPr lang="en-US" dirty="0"/>
+              <a:t>Compared 10, 15, 20, 25, 30 min predictions</a:t>
+            </a:r>
+          </a:p>
+          <a:p>
+            <a:endParaRPr lang="en-US" dirty="0"/>
+          </a:p>
+        </p:txBody>
+      </p:sp>
+      <p:sp>
+        <p:nvSpPr>
+          <p:cNvPr id="5" name="Slide Number Placeholder 4"/>
+          <p:cNvSpPr>
+            <a:spLocks noGrp="1"/>
+          </p:cNvSpPr>
+          <p:nvPr>
+            <p:ph type="sldNum" sz="quarter" idx="12"/>
+          </p:nvPr>
+        </p:nvSpPr>
+        <p:spPr/>
+        <p:txBody>
+          <a:bodyPr/>
+          <a:lstStyle/>
+          <a:p>
+            <a:fld id="{38327683-8978-6B4B-9130-4A6A841F0549}" type="slidenum">
+              <a:rPr lang="en-US" smtClean="0"/>
+              <a:t>17</a:t>
+            </a:fld>
+            <a:endParaRPr lang="en-US" dirty="0"/>
+          </a:p>
+        </p:txBody>
+      </p:sp>
+      <p:pic>
+        <p:nvPicPr>
+          <p:cNvPr id="6" name="Picture 5">
+            <a:extLst>
+              <a:ext uri="{FF2B5EF4-FFF2-40B4-BE49-F238E27FC236}">
+                <a16:creationId xmlns:a16="http://schemas.microsoft.com/office/drawing/2014/main" id="{0D7C4060-BE86-492F-8141-749ACCCF88B8}"/>
+              </a:ext>
+            </a:extLst>
+          </p:cNvPr>
+          <p:cNvPicPr>
+            <a:picLocks noChangeAspect="1"/>
+          </p:cNvPicPr>
+          <p:nvPr/>
+        </p:nvPicPr>
+        <p:blipFill>
+          <a:blip r:embed="rId2"/>
+          <a:stretch>
+            <a:fillRect/>
+          </a:stretch>
+        </p:blipFill>
+        <p:spPr>
+          <a:xfrm>
+            <a:off x="808522" y="2755556"/>
+            <a:ext cx="7198494" cy="3313789"/>
+          </a:xfrm>
+          <a:prstGeom prst="rect">
+            <a:avLst/>
+          </a:prstGeom>
+        </p:spPr>
+      </p:pic>
+    </p:spTree>
+    <p:extLst>
+      <p:ext uri="{BB962C8B-B14F-4D97-AF65-F5344CB8AC3E}">
+        <p14:creationId xmlns:p14="http://schemas.microsoft.com/office/powerpoint/2010/main" val="1079512442"/>
+      </p:ext>
+    </p:extLst>
+  </p:cSld>
+  <p:clrMapOvr>
+    <a:masterClrMapping/>
+  </p:clrMapOvr>
+  <mc:AlternateContent xmlns:mc="http://schemas.openxmlformats.org/markup-compatibility/2006" xmlns:p14="http://schemas.microsoft.com/office/powerpoint/2010/main">
+    <mc:Choice Requires="p14">
+      <p:transition p14:dur="0" advClick="0" advTm="15000"/>
+    </mc:Choice>
+    <mc:Fallback xmlns="">
+      <p:transition advClick="0" advTm="15000"/>
+    </mc:Fallback>
+  </mc:AlternateContent>
+</p:sld>
+</file>
+
+<file path=ppt/slides/slide18.xml><?xml version="1.0" encoding="utf-8"?>
+<p:sld xmlns:a="http://schemas.openxmlformats.org/drawingml/2006/main" xmlns:r="http://schemas.openxmlformats.org/officeDocument/2006/relationships" xmlns:p="http://schemas.openxmlformats.org/presentationml/2006/main">
+  <p:cSld>
+    <p:spTree>
+      <p:nvGrpSpPr>
+        <p:cNvPr id="1" name=""/>
+        <p:cNvGrpSpPr/>
+        <p:nvPr/>
+      </p:nvGrpSpPr>
+      <p:grpSpPr>
+        <a:xfrm>
+          <a:off x="0" y="0"/>
+          <a:ext cx="0" cy="0"/>
+          <a:chOff x="0" y="0"/>
+          <a:chExt cx="0" cy="0"/>
+        </a:xfrm>
+      </p:grpSpPr>
+      <p:sp>
+        <p:nvSpPr>
+          <p:cNvPr id="2" name="Title 1"/>
+          <p:cNvSpPr>
+            <a:spLocks noGrp="1"/>
+          </p:cNvSpPr>
+          <p:nvPr>
+            <p:ph type="title"/>
+          </p:nvPr>
+        </p:nvSpPr>
+        <p:spPr/>
+        <p:txBody>
+          <a:bodyPr/>
+          <a:lstStyle/>
+          <a:p>
+            <a:r>
+              <a:rPr lang="en-US" dirty="0"/>
+              <a:t>Future Predictions</a:t>
+            </a:r>
+          </a:p>
+        </p:txBody>
+      </p:sp>
+      <p:sp>
+        <p:nvSpPr>
+          <p:cNvPr id="3" name="Content Placeholder 2"/>
+          <p:cNvSpPr>
+            <a:spLocks noGrp="1"/>
+          </p:cNvSpPr>
+          <p:nvPr>
+            <p:ph idx="1"/>
+          </p:nvPr>
+        </p:nvSpPr>
+        <p:spPr>
+          <a:xfrm>
+            <a:off x="628650" y="1735141"/>
+            <a:ext cx="8401050" cy="4351338"/>
+          </a:xfrm>
+        </p:spPr>
+        <p:txBody>
+          <a:bodyPr/>
+          <a:lstStyle/>
+          <a:p>
+            <a:r>
+              <a:rPr lang="en-US" dirty="0"/>
+              <a:t>Compared 10, 15, 20, 25, 30 min predictions</a:t>
+            </a:r>
+          </a:p>
+          <a:p>
+            <a:endParaRPr lang="en-US" dirty="0"/>
+          </a:p>
+        </p:txBody>
+      </p:sp>
+      <p:sp>
+        <p:nvSpPr>
+          <p:cNvPr id="5" name="Slide Number Placeholder 4"/>
+          <p:cNvSpPr>
+            <a:spLocks noGrp="1"/>
+          </p:cNvSpPr>
+          <p:nvPr>
+            <p:ph type="sldNum" sz="quarter" idx="12"/>
+          </p:nvPr>
+        </p:nvSpPr>
+        <p:spPr/>
+        <p:txBody>
+          <a:bodyPr/>
+          <a:lstStyle/>
+          <a:p>
+            <a:fld id="{38327683-8978-6B4B-9130-4A6A841F0549}" type="slidenum">
+              <a:rPr lang="en-US" smtClean="0"/>
+              <a:t>18</a:t>
+            </a:fld>
+            <a:endParaRPr lang="en-US" dirty="0"/>
+          </a:p>
+        </p:txBody>
+      </p:sp>
+    </p:spTree>
+    <p:extLst>
+      <p:ext uri="{BB962C8B-B14F-4D97-AF65-F5344CB8AC3E}">
+        <p14:creationId xmlns:p14="http://schemas.microsoft.com/office/powerpoint/2010/main" val="1675986995"/>
+      </p:ext>
+    </p:extLst>
+  </p:cSld>
+  <p:clrMapOvr>
+    <a:masterClrMapping/>
+  </p:clrMapOvr>
+  <mc:AlternateContent xmlns:mc="http://schemas.openxmlformats.org/markup-compatibility/2006" xmlns:p14="http://schemas.microsoft.com/office/powerpoint/2010/main">
+    <mc:Choice Requires="p14">
+      <p:transition p14:dur="0" advClick="0" advTm="15000"/>
+    </mc:Choice>
+    <mc:Fallback xmlns="">
+      <p:transition advClick="0" advTm="15000"/>
+    </mc:Fallback>
+  </mc:AlternateContent>
+</p:sld>
+</file>
+
+<file path=ppt/slides/slide19.xml><?xml version="1.0" encoding="utf-8"?>
+<p:sld xmlns:a="http://schemas.openxmlformats.org/drawingml/2006/main" xmlns:r="http://schemas.openxmlformats.org/officeDocument/2006/relationships" xmlns:p="http://schemas.openxmlformats.org/presentationml/2006/main">
+  <p:cSld>
+    <p:spTree>
+      <p:nvGrpSpPr>
+        <p:cNvPr id="1" name=""/>
+        <p:cNvGrpSpPr/>
+        <p:nvPr/>
+      </p:nvGrpSpPr>
+      <p:grpSpPr>
+        <a:xfrm>
+          <a:off x="0" y="0"/>
+          <a:ext cx="0" cy="0"/>
+          <a:chOff x="0" y="0"/>
+          <a:chExt cx="0" cy="0"/>
+        </a:xfrm>
+      </p:grpSpPr>
+      <p:sp>
+        <p:nvSpPr>
+          <p:cNvPr id="2" name="Title 1"/>
+          <p:cNvSpPr>
+            <a:spLocks noGrp="1"/>
+          </p:cNvSpPr>
+          <p:nvPr>
+            <p:ph type="title"/>
+          </p:nvPr>
+        </p:nvSpPr>
+        <p:spPr/>
+        <p:txBody>
+          <a:bodyPr/>
+          <a:lstStyle/>
+          <a:p>
+            <a:r>
+              <a:rPr lang="en-US" dirty="0"/>
+              <a:t>Summary</a:t>
+            </a:r>
+          </a:p>
+        </p:txBody>
+      </p:sp>
+      <p:sp>
+        <p:nvSpPr>
+          <p:cNvPr id="3" name="Content Placeholder 2"/>
+          <p:cNvSpPr>
+            <a:spLocks noGrp="1"/>
+          </p:cNvSpPr>
+          <p:nvPr>
+            <p:ph idx="1"/>
+          </p:nvPr>
+        </p:nvSpPr>
+        <p:spPr>
+          <a:xfrm>
+            <a:off x="628650" y="1735141"/>
+            <a:ext cx="8401050" cy="4351338"/>
+          </a:xfrm>
+        </p:spPr>
+        <p:txBody>
+          <a:bodyPr/>
+          <a:lstStyle/>
+          <a:p>
+            <a:r>
+              <a:rPr lang="en-US" dirty="0"/>
+              <a:t>SVM model produces 98% accuracy on test data</a:t>
+            </a:r>
+          </a:p>
+          <a:p>
+            <a:r>
+              <a:rPr lang="en-US" dirty="0"/>
+              <a:t>Jumping ahead predictions are lower at 83%</a:t>
+            </a:r>
+          </a:p>
+          <a:p>
+            <a:r>
+              <a:rPr lang="en-US" dirty="0"/>
+              <a:t>In talks with Triple Crown Resources to determine viability of model</a:t>
+            </a:r>
+          </a:p>
+          <a:p>
+            <a:endParaRPr lang="en-US" dirty="0"/>
+          </a:p>
+        </p:txBody>
+      </p:sp>
+      <p:sp>
+        <p:nvSpPr>
+          <p:cNvPr id="5" name="Slide Number Placeholder 4"/>
+          <p:cNvSpPr>
+            <a:spLocks noGrp="1"/>
+          </p:cNvSpPr>
+          <p:nvPr>
+            <p:ph type="sldNum" sz="quarter" idx="12"/>
+          </p:nvPr>
+        </p:nvSpPr>
+        <p:spPr/>
+        <p:txBody>
+          <a:bodyPr/>
+          <a:lstStyle/>
+          <a:p>
+            <a:fld id="{38327683-8978-6B4B-9130-4A6A841F0549}" type="slidenum">
+              <a:rPr lang="en-US" smtClean="0"/>
+              <a:t>19</a:t>
+            </a:fld>
+            <a:endParaRPr lang="en-US" dirty="0"/>
+          </a:p>
+        </p:txBody>
+      </p:sp>
+    </p:spTree>
+    <p:extLst>
+      <p:ext uri="{BB962C8B-B14F-4D97-AF65-F5344CB8AC3E}">
+        <p14:creationId xmlns:p14="http://schemas.microsoft.com/office/powerpoint/2010/main" val="2145724226"/>
       </p:ext>
     </p:extLst>
   </p:cSld>
@@ -5848,6 +6427,111 @@
     <p:extLst>
       <p:ext uri="{BB962C8B-B14F-4D97-AF65-F5344CB8AC3E}">
         <p14:creationId xmlns:p14="http://schemas.microsoft.com/office/powerpoint/2010/main" val="724448261"/>
+      </p:ext>
+    </p:extLst>
+  </p:cSld>
+  <p:clrMapOvr>
+    <a:masterClrMapping/>
+  </p:clrMapOvr>
+  <mc:AlternateContent xmlns:mc="http://schemas.openxmlformats.org/markup-compatibility/2006" xmlns:p14="http://schemas.microsoft.com/office/powerpoint/2010/main">
+    <mc:Choice Requires="p14">
+      <p:transition p14:dur="0" advClick="0" advTm="15000"/>
+    </mc:Choice>
+    <mc:Fallback xmlns="">
+      <p:transition advClick="0" advTm="15000"/>
+    </mc:Fallback>
+  </mc:AlternateContent>
+</p:sld>
+</file>
+
+<file path=ppt/slides/slide20.xml><?xml version="1.0" encoding="utf-8"?>
+<p:sld xmlns:a="http://schemas.openxmlformats.org/drawingml/2006/main" xmlns:r="http://schemas.openxmlformats.org/officeDocument/2006/relationships" xmlns:p="http://schemas.openxmlformats.org/presentationml/2006/main">
+  <p:cSld>
+    <p:spTree>
+      <p:nvGrpSpPr>
+        <p:cNvPr id="1" name=""/>
+        <p:cNvGrpSpPr/>
+        <p:nvPr/>
+      </p:nvGrpSpPr>
+      <p:grpSpPr>
+        <a:xfrm>
+          <a:off x="0" y="0"/>
+          <a:ext cx="0" cy="0"/>
+          <a:chOff x="0" y="0"/>
+          <a:chExt cx="0" cy="0"/>
+        </a:xfrm>
+      </p:grpSpPr>
+      <p:sp>
+        <p:nvSpPr>
+          <p:cNvPr id="2" name="Title 1"/>
+          <p:cNvSpPr>
+            <a:spLocks noGrp="1"/>
+          </p:cNvSpPr>
+          <p:nvPr>
+            <p:ph type="title"/>
+          </p:nvPr>
+        </p:nvSpPr>
+        <p:spPr/>
+        <p:txBody>
+          <a:bodyPr/>
+          <a:lstStyle/>
+          <a:p>
+            <a:r>
+              <a:rPr lang="en-US" dirty="0"/>
+              <a:t>Last Slide</a:t>
+            </a:r>
+          </a:p>
+        </p:txBody>
+      </p:sp>
+      <p:sp>
+        <p:nvSpPr>
+          <p:cNvPr id="3" name="Content Placeholder 2"/>
+          <p:cNvSpPr>
+            <a:spLocks noGrp="1"/>
+          </p:cNvSpPr>
+          <p:nvPr>
+            <p:ph idx="1"/>
+          </p:nvPr>
+        </p:nvSpPr>
+        <p:spPr/>
+        <p:txBody>
+          <a:bodyPr/>
+          <a:lstStyle/>
+          <a:p>
+            <a:r>
+              <a:rPr lang="en-US" dirty="0"/>
+              <a:t>Fade to black after 15 seconds</a:t>
+            </a:r>
+          </a:p>
+        </p:txBody>
+      </p:sp>
+      <p:sp>
+        <p:nvSpPr>
+          <p:cNvPr id="4" name="Slide Number Placeholder 3"/>
+          <p:cNvSpPr>
+            <a:spLocks noGrp="1"/>
+          </p:cNvSpPr>
+          <p:nvPr>
+            <p:ph type="sldNum" sz="quarter" idx="12"/>
+          </p:nvPr>
+        </p:nvSpPr>
+        <p:spPr/>
+        <p:txBody>
+          <a:bodyPr/>
+          <a:lstStyle/>
+          <a:p>
+            <a:fld id="{38327683-8978-6B4B-9130-4A6A841F0549}" type="slidenum">
+              <a:rPr lang="en-US" smtClean="0"/>
+              <a:t>20</a:t>
+            </a:fld>
+            <a:endParaRPr lang="en-US" dirty="0"/>
+          </a:p>
+        </p:txBody>
+      </p:sp>
+    </p:spTree>
+    <p:extLst>
+      <p:ext uri="{BB962C8B-B14F-4D97-AF65-F5344CB8AC3E}">
+        <p14:creationId xmlns:p14="http://schemas.microsoft.com/office/powerpoint/2010/main" val="1571250658"/>
       </p:ext>
     </p:extLst>
   </p:cSld>

--- a/LightningPresentation/Serna_Vasquez_Lightning_v1.pptx
+++ b/LightningPresentation/Serna_Vasquez_Lightning_v1.pptx
@@ -5,7 +5,7 @@
     <p:sldMasterId id="2147483660" r:id="rId1"/>
   </p:sldMasterIdLst>
   <p:notesMasterIdLst>
-    <p:notesMasterId r:id="rId22"/>
+    <p:notesMasterId r:id="rId23"/>
   </p:notesMasterIdLst>
   <p:sldIdLst>
     <p:sldId id="256" r:id="rId2"/>
@@ -24,10 +24,11 @@
     <p:sldId id="287" r:id="rId15"/>
     <p:sldId id="293" r:id="rId16"/>
     <p:sldId id="294" r:id="rId17"/>
-    <p:sldId id="295" r:id="rId18"/>
-    <p:sldId id="296" r:id="rId19"/>
-    <p:sldId id="297" r:id="rId20"/>
-    <p:sldId id="276" r:id="rId21"/>
+    <p:sldId id="298" r:id="rId18"/>
+    <p:sldId id="295" r:id="rId19"/>
+    <p:sldId id="296" r:id="rId20"/>
+    <p:sldId id="297" r:id="rId21"/>
+    <p:sldId id="299" r:id="rId22"/>
   </p:sldIdLst>
   <p:sldSz cx="9144000" cy="6858000" type="screen4x3"/>
   <p:notesSz cx="6858000" cy="9144000"/>
@@ -216,7 +217,7 @@
           <a:p>
             <a:fld id="{935336F5-A68D-9A4A-83AB-B8CD6FA5C732}" type="datetimeFigureOut">
               <a:rPr lang="en-US" smtClean="0"/>
-              <a:t>9/24/2019</a:t>
+              <a:t>9/25/2019</a:t>
             </a:fld>
             <a:endParaRPr lang="en-US"/>
           </a:p>
@@ -737,12 +738,12 @@
   <p:clrMapOvr>
     <a:masterClrMapping/>
   </p:clrMapOvr>
-  <mc:AlternateContent xmlns:mc="http://schemas.openxmlformats.org/markup-compatibility/2006" xmlns:p14="http://schemas.microsoft.com/office/powerpoint/2010/main">
-    <mc:Choice Requires="p14">
-      <p:transition p14:dur="0" advClick="0" advTm="15000"/>
+  <mc:AlternateContent xmlns:mc="http://schemas.openxmlformats.org/markup-compatibility/2006">
+    <mc:Choice xmlns:p14="http://schemas.microsoft.com/office/powerpoint/2010/main" Requires="p14">
+      <p:transition spd="slow" p14:dur="15000"/>
     </mc:Choice>
-    <mc:Fallback xmlns="">
-      <p:transition advClick="0" advTm="15000"/>
+    <mc:Fallback>
+      <p:transition spd="slow"/>
     </mc:Fallback>
   </mc:AlternateContent>
 </p:sldLayout>
@@ -865,7 +866,7 @@
           <a:p>
             <a:fld id="{D8AC05B1-2526-7C44-8A74-66C916069F4A}" type="datetime1">
               <a:rPr lang="en-US" smtClean="0"/>
-              <a:t>9/24/2019</a:t>
+              <a:t>9/25/2019</a:t>
             </a:fld>
             <a:endParaRPr lang="en-US"/>
           </a:p>
@@ -918,12 +919,12 @@
   <p:clrMapOvr>
     <a:masterClrMapping/>
   </p:clrMapOvr>
-  <mc:AlternateContent xmlns:mc="http://schemas.openxmlformats.org/markup-compatibility/2006" xmlns:p14="http://schemas.microsoft.com/office/powerpoint/2010/main">
-    <mc:Choice Requires="p14">
-      <p:transition p14:dur="0" advClick="0" advTm="15000"/>
+  <mc:AlternateContent xmlns:mc="http://schemas.openxmlformats.org/markup-compatibility/2006">
+    <mc:Choice xmlns:p14="http://schemas.microsoft.com/office/powerpoint/2010/main" Requires="p14">
+      <p:transition spd="slow" p14:dur="15000"/>
     </mc:Choice>
-    <mc:Fallback xmlns="">
-      <p:transition advClick="0" advTm="15000"/>
+    <mc:Fallback>
+      <p:transition spd="slow"/>
     </mc:Fallback>
   </mc:AlternateContent>
 </p:sldLayout>
@@ -1056,7 +1057,7 @@
           <a:p>
             <a:fld id="{C0E5C021-D243-504D-84B8-D45D829E8B6B}" type="datetime1">
               <a:rPr lang="en-US" smtClean="0"/>
-              <a:t>9/24/2019</a:t>
+              <a:t>9/25/2019</a:t>
             </a:fld>
             <a:endParaRPr lang="en-US"/>
           </a:p>
@@ -1109,12 +1110,12 @@
   <p:clrMapOvr>
     <a:masterClrMapping/>
   </p:clrMapOvr>
-  <mc:AlternateContent xmlns:mc="http://schemas.openxmlformats.org/markup-compatibility/2006" xmlns:p14="http://schemas.microsoft.com/office/powerpoint/2010/main">
-    <mc:Choice Requires="p14">
-      <p:transition p14:dur="0" advClick="0" advTm="15000"/>
+  <mc:AlternateContent xmlns:mc="http://schemas.openxmlformats.org/markup-compatibility/2006">
+    <mc:Choice xmlns:p14="http://schemas.microsoft.com/office/powerpoint/2010/main" Requires="p14">
+      <p:transition spd="slow" p14:dur="15000"/>
     </mc:Choice>
-    <mc:Fallback xmlns="">
-      <p:transition advClick="0" advTm="15000"/>
+    <mc:Fallback>
+      <p:transition spd="slow"/>
     </mc:Fallback>
   </mc:AlternateContent>
 </p:sldLayout>
@@ -1237,7 +1238,7 @@
           <a:p>
             <a:fld id="{B6F93F85-28A1-8344-9763-EF19E19F9128}" type="datetime1">
               <a:rPr lang="en-US" smtClean="0"/>
-              <a:t>9/24/2019</a:t>
+              <a:t>9/25/2019</a:t>
             </a:fld>
             <a:endParaRPr lang="en-US"/>
           </a:p>
@@ -1299,12 +1300,12 @@
   <p:clrMapOvr>
     <a:masterClrMapping/>
   </p:clrMapOvr>
-  <mc:AlternateContent xmlns:mc="http://schemas.openxmlformats.org/markup-compatibility/2006" xmlns:p14="http://schemas.microsoft.com/office/powerpoint/2010/main">
-    <mc:Choice Requires="p14">
-      <p:transition p14:dur="0" advClick="0" advTm="15000"/>
+  <mc:AlternateContent xmlns:mc="http://schemas.openxmlformats.org/markup-compatibility/2006">
+    <mc:Choice xmlns:p14="http://schemas.microsoft.com/office/powerpoint/2010/main" Requires="p14">
+      <p:transition spd="slow" p14:dur="15000"/>
     </mc:Choice>
-    <mc:Fallback xmlns="">
-      <p:transition advClick="0" advTm="15000"/>
+    <mc:Fallback>
+      <p:transition spd="slow"/>
     </mc:Fallback>
   </mc:AlternateContent>
 </p:sldLayout>
@@ -1501,7 +1502,7 @@
           <a:p>
             <a:fld id="{A2B5E9FB-9AD4-754B-A772-6D3733DD5BAC}" type="datetime1">
               <a:rPr lang="en-US" smtClean="0"/>
-              <a:t>9/24/2019</a:t>
+              <a:t>9/25/2019</a:t>
             </a:fld>
             <a:endParaRPr lang="en-US"/>
           </a:p>
@@ -1554,12 +1555,12 @@
   <p:clrMapOvr>
     <a:masterClrMapping/>
   </p:clrMapOvr>
-  <mc:AlternateContent xmlns:mc="http://schemas.openxmlformats.org/markup-compatibility/2006" xmlns:p14="http://schemas.microsoft.com/office/powerpoint/2010/main">
-    <mc:Choice Requires="p14">
-      <p:transition p14:dur="0" advClick="0" advTm="15000"/>
+  <mc:AlternateContent xmlns:mc="http://schemas.openxmlformats.org/markup-compatibility/2006">
+    <mc:Choice xmlns:p14="http://schemas.microsoft.com/office/powerpoint/2010/main" Requires="p14">
+      <p:transition spd="slow" p14:dur="15000"/>
     </mc:Choice>
-    <mc:Fallback xmlns="">
-      <p:transition advClick="0" advTm="15000"/>
+    <mc:Fallback>
+      <p:transition spd="slow"/>
     </mc:Fallback>
   </mc:AlternateContent>
 </p:sldLayout>
@@ -1744,7 +1745,7 @@
           <a:p>
             <a:fld id="{3140DF9E-9222-EE48-A64D-28DE5FAE4784}" type="datetime1">
               <a:rPr lang="en-US" smtClean="0"/>
-              <a:t>9/24/2019</a:t>
+              <a:t>9/25/2019</a:t>
             </a:fld>
             <a:endParaRPr lang="en-US"/>
           </a:p>
@@ -1797,12 +1798,12 @@
   <p:clrMapOvr>
     <a:masterClrMapping/>
   </p:clrMapOvr>
-  <mc:AlternateContent xmlns:mc="http://schemas.openxmlformats.org/markup-compatibility/2006" xmlns:p14="http://schemas.microsoft.com/office/powerpoint/2010/main">
-    <mc:Choice Requires="p14">
-      <p:transition p14:dur="0" advClick="0" advTm="15000"/>
+  <mc:AlternateContent xmlns:mc="http://schemas.openxmlformats.org/markup-compatibility/2006">
+    <mc:Choice xmlns:p14="http://schemas.microsoft.com/office/powerpoint/2010/main" Requires="p14">
+      <p:transition spd="slow" p14:dur="15000"/>
     </mc:Choice>
-    <mc:Fallback xmlns="">
-      <p:transition advClick="0" advTm="15000"/>
+    <mc:Fallback>
+      <p:transition spd="slow"/>
     </mc:Fallback>
   </mc:AlternateContent>
 </p:sldLayout>
@@ -2122,7 +2123,7 @@
           <a:p>
             <a:fld id="{A61490FA-57A5-0041-9FDC-ACD83A9AA0E7}" type="datetime1">
               <a:rPr lang="en-US" smtClean="0"/>
-              <a:t>9/24/2019</a:t>
+              <a:t>9/25/2019</a:t>
             </a:fld>
             <a:endParaRPr lang="en-US"/>
           </a:p>
@@ -2175,12 +2176,12 @@
   <p:clrMapOvr>
     <a:masterClrMapping/>
   </p:clrMapOvr>
-  <mc:AlternateContent xmlns:mc="http://schemas.openxmlformats.org/markup-compatibility/2006" xmlns:p14="http://schemas.microsoft.com/office/powerpoint/2010/main">
-    <mc:Choice Requires="p14">
-      <p:transition p14:dur="0" advClick="0" advTm="15000"/>
+  <mc:AlternateContent xmlns:mc="http://schemas.openxmlformats.org/markup-compatibility/2006">
+    <mc:Choice xmlns:p14="http://schemas.microsoft.com/office/powerpoint/2010/main" Requires="p14">
+      <p:transition spd="slow" p14:dur="15000"/>
     </mc:Choice>
-    <mc:Fallback xmlns="">
-      <p:transition advClick="0" advTm="15000"/>
+    <mc:Fallback>
+      <p:transition spd="slow"/>
     </mc:Fallback>
   </mc:AlternateContent>
 </p:sldLayout>
@@ -2251,7 +2252,7 @@
           <a:p>
             <a:fld id="{7E8290BC-2F66-E549-BF33-0BE20A5801B5}" type="datetime1">
               <a:rPr lang="en-US" smtClean="0"/>
-              <a:t>9/24/2019</a:t>
+              <a:t>9/25/2019</a:t>
             </a:fld>
             <a:endParaRPr lang="en-US"/>
           </a:p>
@@ -2304,12 +2305,12 @@
   <p:clrMapOvr>
     <a:masterClrMapping/>
   </p:clrMapOvr>
-  <mc:AlternateContent xmlns:mc="http://schemas.openxmlformats.org/markup-compatibility/2006" xmlns:p14="http://schemas.microsoft.com/office/powerpoint/2010/main">
-    <mc:Choice Requires="p14">
-      <p:transition p14:dur="0" advClick="0" advTm="15000"/>
+  <mc:AlternateContent xmlns:mc="http://schemas.openxmlformats.org/markup-compatibility/2006">
+    <mc:Choice xmlns:p14="http://schemas.microsoft.com/office/powerpoint/2010/main" Requires="p14">
+      <p:transition spd="slow" p14:dur="15000"/>
     </mc:Choice>
-    <mc:Fallback xmlns="">
-      <p:transition advClick="0" advTm="15000"/>
+    <mc:Fallback>
+      <p:transition spd="slow"/>
     </mc:Fallback>
   </mc:AlternateContent>
 </p:sldLayout>
@@ -2357,7 +2358,7 @@
           <a:p>
             <a:fld id="{3BC728CC-7587-8545-9431-C9A8BB34EC62}" type="datetime1">
               <a:rPr lang="en-US" smtClean="0"/>
-              <a:t>9/24/2019</a:t>
+              <a:t>9/25/2019</a:t>
             </a:fld>
             <a:endParaRPr lang="en-US"/>
           </a:p>
@@ -2410,12 +2411,12 @@
   <p:clrMapOvr>
     <a:masterClrMapping/>
   </p:clrMapOvr>
-  <mc:AlternateContent xmlns:mc="http://schemas.openxmlformats.org/markup-compatibility/2006" xmlns:p14="http://schemas.microsoft.com/office/powerpoint/2010/main">
-    <mc:Choice Requires="p14">
-      <p:transition p14:dur="0" advClick="0" advTm="15000"/>
+  <mc:AlternateContent xmlns:mc="http://schemas.openxmlformats.org/markup-compatibility/2006">
+    <mc:Choice xmlns:p14="http://schemas.microsoft.com/office/powerpoint/2010/main" Requires="p14">
+      <p:transition spd="slow" p14:dur="15000"/>
     </mc:Choice>
-    <mc:Fallback xmlns="">
-      <p:transition advClick="0" advTm="15000"/>
+    <mc:Fallback>
+      <p:transition spd="slow"/>
     </mc:Fallback>
   </mc:AlternateContent>
 </p:sldLayout>
@@ -2645,7 +2646,7 @@
           <a:p>
             <a:fld id="{9A66CD15-5422-0542-9CE8-BC312846333A}" type="datetime1">
               <a:rPr lang="en-US" smtClean="0"/>
-              <a:t>9/24/2019</a:t>
+              <a:t>9/25/2019</a:t>
             </a:fld>
             <a:endParaRPr lang="en-US"/>
           </a:p>
@@ -2698,12 +2699,12 @@
   <p:clrMapOvr>
     <a:masterClrMapping/>
   </p:clrMapOvr>
-  <mc:AlternateContent xmlns:mc="http://schemas.openxmlformats.org/markup-compatibility/2006" xmlns:p14="http://schemas.microsoft.com/office/powerpoint/2010/main">
-    <mc:Choice Requires="p14">
-      <p:transition p14:dur="0" advClick="0" advTm="15000"/>
+  <mc:AlternateContent xmlns:mc="http://schemas.openxmlformats.org/markup-compatibility/2006">
+    <mc:Choice xmlns:p14="http://schemas.microsoft.com/office/powerpoint/2010/main" Requires="p14">
+      <p:transition spd="slow" p14:dur="15000"/>
     </mc:Choice>
-    <mc:Fallback xmlns="">
-      <p:transition advClick="0" advTm="15000"/>
+    <mc:Fallback>
+      <p:transition spd="slow"/>
     </mc:Fallback>
   </mc:AlternateContent>
 </p:sldLayout>
@@ -2913,7 +2914,7 @@
           <a:p>
             <a:fld id="{2A2384D1-AE54-4D4A-B83F-6EAD03BEB987}" type="datetime1">
               <a:rPr lang="en-US" smtClean="0"/>
-              <a:t>9/24/2019</a:t>
+              <a:t>9/25/2019</a:t>
             </a:fld>
             <a:endParaRPr lang="en-US"/>
           </a:p>
@@ -2966,12 +2967,12 @@
   <p:clrMapOvr>
     <a:masterClrMapping/>
   </p:clrMapOvr>
-  <mc:AlternateContent xmlns:mc="http://schemas.openxmlformats.org/markup-compatibility/2006" xmlns:p14="http://schemas.microsoft.com/office/powerpoint/2010/main">
-    <mc:Choice Requires="p14">
-      <p:transition p14:dur="0" advClick="0" advTm="15000"/>
+  <mc:AlternateContent xmlns:mc="http://schemas.openxmlformats.org/markup-compatibility/2006">
+    <mc:Choice xmlns:p14="http://schemas.microsoft.com/office/powerpoint/2010/main" Requires="p14">
+      <p:transition spd="slow" p14:dur="15000"/>
     </mc:Choice>
-    <mc:Fallback xmlns="">
-      <p:transition advClick="0" advTm="15000"/>
+    <mc:Fallback>
+      <p:transition spd="slow"/>
     </mc:Fallback>
   </mc:AlternateContent>
 </p:sldLayout>
@@ -3406,12 +3407,12 @@
     <p:sldLayoutId id="2147483670" r:id="rId10"/>
     <p:sldLayoutId id="2147483671" r:id="rId11"/>
   </p:sldLayoutIdLst>
-  <mc:AlternateContent xmlns:mc="http://schemas.openxmlformats.org/markup-compatibility/2006" xmlns:p14="http://schemas.microsoft.com/office/powerpoint/2010/main">
-    <mc:Choice Requires="p14">
-      <p:transition p14:dur="0" advClick="0" advTm="15000"/>
+  <mc:AlternateContent xmlns:mc="http://schemas.openxmlformats.org/markup-compatibility/2006">
+    <mc:Choice xmlns:p14="http://schemas.microsoft.com/office/powerpoint/2010/main" Requires="p14">
+      <p:transition spd="slow" p14:dur="15000"/>
     </mc:Choice>
-    <mc:Fallback xmlns="">
-      <p:transition advClick="0" advTm="15000"/>
+    <mc:Fallback>
+      <p:transition spd="slow"/>
     </mc:Fallback>
   </mc:AlternateContent>
   <p:hf hdr="0" ftr="0" dt="0"/>
@@ -3800,12 +3801,12 @@
   <p:clrMapOvr>
     <a:masterClrMapping/>
   </p:clrMapOvr>
-  <mc:AlternateContent xmlns:mc="http://schemas.openxmlformats.org/markup-compatibility/2006" xmlns:p14="http://schemas.microsoft.com/office/powerpoint/2010/main">
-    <mc:Choice Requires="p14">
-      <p:transition p14:dur="0"/>
+  <mc:AlternateContent xmlns:mc="http://schemas.openxmlformats.org/markup-compatibility/2006">
+    <mc:Choice xmlns:p14="http://schemas.microsoft.com/office/powerpoint/2010/main" Requires="p14">
+      <p:transition spd="slow" p14:dur="15000"/>
     </mc:Choice>
-    <mc:Fallback xmlns="">
-      <p:transition/>
+    <mc:Fallback>
+      <p:transition spd="slow"/>
     </mc:Fallback>
   </mc:AlternateContent>
 </p:sld>
@@ -3955,12 +3956,12 @@
   <p:clrMapOvr>
     <a:masterClrMapping/>
   </p:clrMapOvr>
-  <mc:AlternateContent xmlns:mc="http://schemas.openxmlformats.org/markup-compatibility/2006" xmlns:p14="http://schemas.microsoft.com/office/powerpoint/2010/main">
-    <mc:Choice Requires="p14">
-      <p:transition p14:dur="0" advClick="0" advTm="15000"/>
+  <mc:AlternateContent xmlns:mc="http://schemas.openxmlformats.org/markup-compatibility/2006">
+    <mc:Choice xmlns:p14="http://schemas.microsoft.com/office/powerpoint/2010/main" Requires="p14">
+      <p:transition spd="slow" p14:dur="15000"/>
     </mc:Choice>
-    <mc:Fallback xmlns="">
-      <p:transition advClick="0" advTm="15000"/>
+    <mc:Fallback>
+      <p:transition spd="slow"/>
     </mc:Fallback>
   </mc:AlternateContent>
 </p:sld>
@@ -4685,12 +4686,12 @@
   <p:clrMapOvr>
     <a:masterClrMapping/>
   </p:clrMapOvr>
-  <mc:AlternateContent xmlns:mc="http://schemas.openxmlformats.org/markup-compatibility/2006" xmlns:p14="http://schemas.microsoft.com/office/powerpoint/2010/main">
-    <mc:Choice Requires="p14">
-      <p:transition p14:dur="0" advClick="0" advTm="15000"/>
+  <mc:AlternateContent xmlns:mc="http://schemas.openxmlformats.org/markup-compatibility/2006">
+    <mc:Choice xmlns:p14="http://schemas.microsoft.com/office/powerpoint/2010/main" Requires="p14">
+      <p:transition spd="slow" p14:dur="15000"/>
     </mc:Choice>
-    <mc:Fallback xmlns="">
-      <p:transition advClick="0" advTm="15000"/>
+    <mc:Fallback>
+      <p:transition spd="slow"/>
     </mc:Fallback>
   </mc:AlternateContent>
 </p:sld>
@@ -5198,12 +5199,12 @@
   <p:clrMapOvr>
     <a:masterClrMapping/>
   </p:clrMapOvr>
-  <mc:AlternateContent xmlns:mc="http://schemas.openxmlformats.org/markup-compatibility/2006" xmlns:p14="http://schemas.microsoft.com/office/powerpoint/2010/main">
-    <mc:Choice Requires="p14">
-      <p:transition p14:dur="0" advClick="0" advTm="15000"/>
+  <mc:AlternateContent xmlns:mc="http://schemas.openxmlformats.org/markup-compatibility/2006">
+    <mc:Choice xmlns:p14="http://schemas.microsoft.com/office/powerpoint/2010/main" Requires="p14">
+      <p:transition spd="slow" p14:dur="15000"/>
     </mc:Choice>
-    <mc:Fallback xmlns="">
-      <p:transition advClick="0" advTm="15000"/>
+    <mc:Fallback>
+      <p:transition spd="slow"/>
     </mc:Fallback>
   </mc:AlternateContent>
 </p:sld>
@@ -5359,12 +5360,12 @@
   <p:clrMapOvr>
     <a:masterClrMapping/>
   </p:clrMapOvr>
-  <mc:AlternateContent xmlns:mc="http://schemas.openxmlformats.org/markup-compatibility/2006" xmlns:p14="http://schemas.microsoft.com/office/powerpoint/2010/main">
-    <mc:Choice Requires="p14">
-      <p:transition p14:dur="0" advClick="0" advTm="15000"/>
+  <mc:AlternateContent xmlns:mc="http://schemas.openxmlformats.org/markup-compatibility/2006">
+    <mc:Choice xmlns:p14="http://schemas.microsoft.com/office/powerpoint/2010/main" Requires="p14">
+      <p:transition spd="slow" p14:dur="15000"/>
     </mc:Choice>
-    <mc:Fallback xmlns="">
-      <p:transition advClick="0" advTm="15000"/>
+    <mc:Fallback>
+      <p:transition spd="slow"/>
     </mc:Fallback>
   </mc:AlternateContent>
 </p:sld>
@@ -5569,12 +5570,12 @@
   <p:clrMapOvr>
     <a:masterClrMapping/>
   </p:clrMapOvr>
-  <mc:AlternateContent xmlns:mc="http://schemas.openxmlformats.org/markup-compatibility/2006" xmlns:p14="http://schemas.microsoft.com/office/powerpoint/2010/main">
-    <mc:Choice Requires="p14">
-      <p:transition p14:dur="0" advClick="0" advTm="15000"/>
+  <mc:AlternateContent xmlns:mc="http://schemas.openxmlformats.org/markup-compatibility/2006">
+    <mc:Choice xmlns:p14="http://schemas.microsoft.com/office/powerpoint/2010/main" Requires="p14">
+      <p:transition spd="slow" p14:dur="15000"/>
     </mc:Choice>
-    <mc:Fallback xmlns="">
-      <p:transition advClick="0" advTm="15000"/>
+    <mc:Fallback>
+      <p:transition spd="slow"/>
     </mc:Fallback>
   </mc:AlternateContent>
 </p:sld>
@@ -5716,12 +5717,12 @@
   <p:clrMapOvr>
     <a:masterClrMapping/>
   </p:clrMapOvr>
-  <mc:AlternateContent xmlns:mc="http://schemas.openxmlformats.org/markup-compatibility/2006" xmlns:p14="http://schemas.microsoft.com/office/powerpoint/2010/main">
-    <mc:Choice Requires="p14">
-      <p:transition p14:dur="0" advClick="0" advTm="15000"/>
+  <mc:AlternateContent xmlns:mc="http://schemas.openxmlformats.org/markup-compatibility/2006">
+    <mc:Choice xmlns:p14="http://schemas.microsoft.com/office/powerpoint/2010/main" Requires="p14">
+      <p:transition spd="slow" p14:dur="15000"/>
     </mc:Choice>
-    <mc:Fallback xmlns="">
-      <p:transition advClick="0" advTm="15000"/>
+    <mc:Fallback>
+      <p:transition spd="slow"/>
     </mc:Fallback>
   </mc:AlternateContent>
 </p:sld>
@@ -5761,7 +5762,7 @@
           <a:p>
             <a:r>
               <a:rPr lang="en-US" dirty="0"/>
-              <a:t>Business Requirements</a:t>
+              <a:t>Functions Created</a:t>
             </a:r>
           </a:p>
         </p:txBody>
@@ -5867,12 +5868,12 @@
   <p:clrMapOvr>
     <a:masterClrMapping/>
   </p:clrMapOvr>
-  <mc:AlternateContent xmlns:mc="http://schemas.openxmlformats.org/markup-compatibility/2006" xmlns:p14="http://schemas.microsoft.com/office/powerpoint/2010/main">
-    <mc:Choice Requires="p14">
-      <p:transition p14:dur="0" advClick="0" advTm="15000"/>
+  <mc:AlternateContent xmlns:mc="http://schemas.openxmlformats.org/markup-compatibility/2006">
+    <mc:Choice xmlns:p14="http://schemas.microsoft.com/office/powerpoint/2010/main" Requires="p14">
+      <p:transition spd="slow" p14:dur="15000"/>
     </mc:Choice>
-    <mc:Fallback xmlns="">
-      <p:transition advClick="0" advTm="15000"/>
+    <mc:Fallback>
+      <p:transition spd="slow"/>
     </mc:Fallback>
   </mc:AlternateContent>
 </p:sld>
@@ -5912,7 +5913,7 @@
           <a:p>
             <a:r>
               <a:rPr lang="en-US" dirty="0"/>
-              <a:t>Future Predictions</a:t>
+              <a:t>Functions Created</a:t>
             </a:r>
           </a:p>
         </p:txBody>
@@ -5930,7 +5931,7 @@
         <p:spPr>
           <a:xfrm>
             <a:off x="628650" y="1735141"/>
-            <a:ext cx="8401050" cy="4351338"/>
+            <a:ext cx="6735189" cy="4351338"/>
           </a:xfrm>
         </p:spPr>
         <p:txBody>
@@ -5939,7 +5940,7 @@
           <a:p>
             <a:r>
               <a:rPr lang="en-US" dirty="0"/>
-              <a:t>Compared 10, 15, 20, 25, 30 min predictions</a:t>
+              <a:t>“window” allows a look back for learning with a time series problem</a:t>
             </a:r>
           </a:p>
           <a:p>
@@ -5975,7 +5976,7 @@
           <p:cNvPr id="6" name="Picture 5">
             <a:extLst>
               <a:ext uri="{FF2B5EF4-FFF2-40B4-BE49-F238E27FC236}">
-                <a16:creationId xmlns:a16="http://schemas.microsoft.com/office/drawing/2014/main" id="{0D7C4060-BE86-492F-8141-749ACCCF88B8}"/>
+                <a16:creationId xmlns:a16="http://schemas.microsoft.com/office/drawing/2014/main" id="{680EA9DB-32AF-42D4-B0CD-2C263A2AD817}"/>
               </a:ext>
             </a:extLst>
           </p:cNvPr>
@@ -5992,30 +5993,83 @@
         </p:blipFill>
         <p:spPr>
           <a:xfrm>
-            <a:off x="808522" y="2755556"/>
-            <a:ext cx="7198494" cy="3313789"/>
+            <a:off x="2027709" y="3056589"/>
+            <a:ext cx="4598091" cy="2109884"/>
           </a:xfrm>
           <a:prstGeom prst="rect">
             <a:avLst/>
           </a:prstGeom>
         </p:spPr>
       </p:pic>
+      <p:sp>
+        <p:nvSpPr>
+          <p:cNvPr id="7" name="Rectangle 6">
+            <a:extLst>
+              <a:ext uri="{FF2B5EF4-FFF2-40B4-BE49-F238E27FC236}">
+                <a16:creationId xmlns:a16="http://schemas.microsoft.com/office/drawing/2014/main" id="{AC4CC682-D316-4053-B617-D2B53C77F8B3}"/>
+              </a:ext>
+            </a:extLst>
+          </p:cNvPr>
+          <p:cNvSpPr/>
+          <p:nvPr/>
+        </p:nvSpPr>
+        <p:spPr>
+          <a:xfrm>
+            <a:off x="5105400" y="3228975"/>
+            <a:ext cx="1104900" cy="1800225"/>
+          </a:xfrm>
+          <a:prstGeom prst="rect">
+            <a:avLst/>
+          </a:prstGeom>
+          <a:noFill/>
+          <a:ln w="57150">
+            <a:solidFill>
+              <a:srgbClr val="FF0000"/>
+            </a:solidFill>
+            <a:prstDash val="dash"/>
+          </a:ln>
+        </p:spPr>
+        <p:style>
+          <a:lnRef idx="2">
+            <a:schemeClr val="accent1">
+              <a:shade val="50000"/>
+            </a:schemeClr>
+          </a:lnRef>
+          <a:fillRef idx="1">
+            <a:schemeClr val="accent1"/>
+          </a:fillRef>
+          <a:effectRef idx="0">
+            <a:schemeClr val="accent1"/>
+          </a:effectRef>
+          <a:fontRef idx="minor">
+            <a:schemeClr val="lt1"/>
+          </a:fontRef>
+        </p:style>
+        <p:txBody>
+          <a:bodyPr rtlCol="0" anchor="ctr"/>
+          <a:lstStyle/>
+          <a:p>
+            <a:pPr algn="ctr"/>
+            <a:endParaRPr lang="en-US"/>
+          </a:p>
+        </p:txBody>
+      </p:sp>
     </p:spTree>
     <p:extLst>
       <p:ext uri="{BB962C8B-B14F-4D97-AF65-F5344CB8AC3E}">
-        <p14:creationId xmlns:p14="http://schemas.microsoft.com/office/powerpoint/2010/main" val="1079512442"/>
+        <p14:creationId xmlns:p14="http://schemas.microsoft.com/office/powerpoint/2010/main" val="2501561440"/>
       </p:ext>
     </p:extLst>
   </p:cSld>
   <p:clrMapOvr>
     <a:masterClrMapping/>
   </p:clrMapOvr>
-  <mc:AlternateContent xmlns:mc="http://schemas.openxmlformats.org/markup-compatibility/2006" xmlns:p14="http://schemas.microsoft.com/office/powerpoint/2010/main">
-    <mc:Choice Requires="p14">
-      <p:transition p14:dur="0" advClick="0" advTm="15000"/>
+  <mc:AlternateContent xmlns:mc="http://schemas.openxmlformats.org/markup-compatibility/2006">
+    <mc:Choice xmlns:p14="http://schemas.microsoft.com/office/powerpoint/2010/main" Requires="p14">
+      <p:transition spd="slow" p14:dur="15000"/>
     </mc:Choice>
-    <mc:Fallback xmlns="">
-      <p:transition advClick="0" advTm="15000"/>
+    <mc:Fallback>
+      <p:transition spd="slow"/>
     </mc:Fallback>
   </mc:AlternateContent>
 </p:sld>
@@ -6113,22 +6167,52 @@
           </a:p>
         </p:txBody>
       </p:sp>
+      <p:pic>
+        <p:nvPicPr>
+          <p:cNvPr id="6" name="Picture 5">
+            <a:extLst>
+              <a:ext uri="{FF2B5EF4-FFF2-40B4-BE49-F238E27FC236}">
+                <a16:creationId xmlns:a16="http://schemas.microsoft.com/office/drawing/2014/main" id="{0D7C4060-BE86-492F-8141-749ACCCF88B8}"/>
+              </a:ext>
+            </a:extLst>
+          </p:cNvPr>
+          <p:cNvPicPr>
+            <a:picLocks noChangeAspect="1"/>
+          </p:cNvPicPr>
+          <p:nvPr/>
+        </p:nvPicPr>
+        <p:blipFill>
+          <a:blip r:embed="rId2"/>
+          <a:stretch>
+            <a:fillRect/>
+          </a:stretch>
+        </p:blipFill>
+        <p:spPr>
+          <a:xfrm>
+            <a:off x="808522" y="2755556"/>
+            <a:ext cx="7198494" cy="3313789"/>
+          </a:xfrm>
+          <a:prstGeom prst="rect">
+            <a:avLst/>
+          </a:prstGeom>
+        </p:spPr>
+      </p:pic>
     </p:spTree>
     <p:extLst>
       <p:ext uri="{BB962C8B-B14F-4D97-AF65-F5344CB8AC3E}">
-        <p14:creationId xmlns:p14="http://schemas.microsoft.com/office/powerpoint/2010/main" val="1675986995"/>
+        <p14:creationId xmlns:p14="http://schemas.microsoft.com/office/powerpoint/2010/main" val="1079512442"/>
       </p:ext>
     </p:extLst>
   </p:cSld>
   <p:clrMapOvr>
     <a:masterClrMapping/>
   </p:clrMapOvr>
-  <mc:AlternateContent xmlns:mc="http://schemas.openxmlformats.org/markup-compatibility/2006" xmlns:p14="http://schemas.microsoft.com/office/powerpoint/2010/main">
-    <mc:Choice Requires="p14">
-      <p:transition p14:dur="0" advClick="0" advTm="15000"/>
+  <mc:AlternateContent xmlns:mc="http://schemas.openxmlformats.org/markup-compatibility/2006">
+    <mc:Choice xmlns:p14="http://schemas.microsoft.com/office/powerpoint/2010/main" Requires="p14">
+      <p:transition spd="slow" p14:dur="15000"/>
     </mc:Choice>
-    <mc:Fallback xmlns="">
-      <p:transition advClick="0" advTm="15000"/>
+    <mc:Fallback>
+      <p:transition spd="slow"/>
     </mc:Fallback>
   </mc:AlternateContent>
 </p:sld>
@@ -6168,50 +6252,8 @@
           <a:p>
             <a:r>
               <a:rPr lang="en-US" dirty="0"/>
-              <a:t>Summary</a:t>
+              <a:t>Future Predictions</a:t>
             </a:r>
-          </a:p>
-        </p:txBody>
-      </p:sp>
-      <p:sp>
-        <p:nvSpPr>
-          <p:cNvPr id="3" name="Content Placeholder 2"/>
-          <p:cNvSpPr>
-            <a:spLocks noGrp="1"/>
-          </p:cNvSpPr>
-          <p:nvPr>
-            <p:ph idx="1"/>
-          </p:nvPr>
-        </p:nvSpPr>
-        <p:spPr>
-          <a:xfrm>
-            <a:off x="628650" y="1735141"/>
-            <a:ext cx="8401050" cy="4351338"/>
-          </a:xfrm>
-        </p:spPr>
-        <p:txBody>
-          <a:bodyPr/>
-          <a:lstStyle/>
-          <a:p>
-            <a:r>
-              <a:rPr lang="en-US" dirty="0"/>
-              <a:t>SVM model produces 98% accuracy on test data</a:t>
-            </a:r>
-          </a:p>
-          <a:p>
-            <a:r>
-              <a:rPr lang="en-US" dirty="0"/>
-              <a:t>Jumping ahead predictions are lower at 83%</a:t>
-            </a:r>
-          </a:p>
-          <a:p>
-            <a:r>
-              <a:rPr lang="en-US" dirty="0"/>
-              <a:t>In talks with Triple Crown Resources to determine viability of model</a:t>
-            </a:r>
-          </a:p>
-          <a:p>
-            <a:endParaRPr lang="en-US" dirty="0"/>
           </a:p>
         </p:txBody>
       </p:sp>
@@ -6238,22 +6280,52 @@
           </a:p>
         </p:txBody>
       </p:sp>
+      <p:pic>
+        <p:nvPicPr>
+          <p:cNvPr id="7" name="Picture 6">
+            <a:extLst>
+              <a:ext uri="{FF2B5EF4-FFF2-40B4-BE49-F238E27FC236}">
+                <a16:creationId xmlns:a16="http://schemas.microsoft.com/office/drawing/2014/main" id="{3CE55FEF-9024-4D70-90D2-070438D6C413}"/>
+              </a:ext>
+            </a:extLst>
+          </p:cNvPr>
+          <p:cNvPicPr>
+            <a:picLocks noChangeAspect="1"/>
+          </p:cNvPicPr>
+          <p:nvPr/>
+        </p:nvPicPr>
+        <p:blipFill>
+          <a:blip r:embed="rId2"/>
+          <a:stretch>
+            <a:fillRect/>
+          </a:stretch>
+        </p:blipFill>
+        <p:spPr>
+          <a:xfrm>
+            <a:off x="798897" y="2127463"/>
+            <a:ext cx="7546206" cy="3790707"/>
+          </a:xfrm>
+          <a:prstGeom prst="rect">
+            <a:avLst/>
+          </a:prstGeom>
+        </p:spPr>
+      </p:pic>
     </p:spTree>
     <p:extLst>
       <p:ext uri="{BB962C8B-B14F-4D97-AF65-F5344CB8AC3E}">
-        <p14:creationId xmlns:p14="http://schemas.microsoft.com/office/powerpoint/2010/main" val="2145724226"/>
+        <p14:creationId xmlns:p14="http://schemas.microsoft.com/office/powerpoint/2010/main" val="1675986995"/>
       </p:ext>
     </p:extLst>
   </p:cSld>
   <p:clrMapOvr>
     <a:masterClrMapping/>
   </p:clrMapOvr>
-  <mc:AlternateContent xmlns:mc="http://schemas.openxmlformats.org/markup-compatibility/2006" xmlns:p14="http://schemas.microsoft.com/office/powerpoint/2010/main">
-    <mc:Choice Requires="p14">
-      <p:transition p14:dur="0" advClick="0" advTm="15000"/>
+  <mc:AlternateContent xmlns:mc="http://schemas.openxmlformats.org/markup-compatibility/2006">
+    <mc:Choice xmlns:p14="http://schemas.microsoft.com/office/powerpoint/2010/main" Requires="p14">
+      <p:transition spd="slow" p14:dur="15000"/>
     </mc:Choice>
-    <mc:Fallback xmlns="">
-      <p:transition advClick="0" advTm="15000"/>
+    <mc:Fallback>
+      <p:transition spd="slow"/>
     </mc:Fallback>
   </mc:AlternateContent>
 </p:sld>
@@ -6433,12 +6505,12 @@
   <p:clrMapOvr>
     <a:masterClrMapping/>
   </p:clrMapOvr>
-  <mc:AlternateContent xmlns:mc="http://schemas.openxmlformats.org/markup-compatibility/2006" xmlns:p14="http://schemas.microsoft.com/office/powerpoint/2010/main">
-    <mc:Choice Requires="p14">
-      <p:transition p14:dur="0" advClick="0" advTm="15000"/>
+  <mc:AlternateContent xmlns:mc="http://schemas.openxmlformats.org/markup-compatibility/2006">
+    <mc:Choice xmlns:p14="http://schemas.microsoft.com/office/powerpoint/2010/main" Requires="p14">
+      <p:transition spd="slow" p14:dur="15000"/>
     </mc:Choice>
-    <mc:Fallback xmlns="">
-      <p:transition advClick="0" advTm="15000"/>
+    <mc:Fallback>
+      <p:transition spd="slow"/>
     </mc:Fallback>
   </mc:AlternateContent>
 </p:sld>
@@ -6478,7 +6550,7 @@
           <a:p>
             <a:r>
               <a:rPr lang="en-US" dirty="0"/>
-              <a:t>Last Slide</a:t>
+              <a:t>Summary</a:t>
             </a:r>
           </a:p>
         </p:txBody>
@@ -6493,21 +6565,41 @@
             <p:ph idx="1"/>
           </p:nvPr>
         </p:nvSpPr>
-        <p:spPr/>
+        <p:spPr>
+          <a:xfrm>
+            <a:off x="628650" y="1735141"/>
+            <a:ext cx="8401050" cy="4351338"/>
+          </a:xfrm>
+        </p:spPr>
         <p:txBody>
           <a:bodyPr/>
           <a:lstStyle/>
           <a:p>
             <a:r>
               <a:rPr lang="en-US" dirty="0"/>
-              <a:t>Fade to black after 15 seconds</a:t>
+              <a:t>SVM model produces 98% accuracy on test data</a:t>
             </a:r>
+          </a:p>
+          <a:p>
+            <a:r>
+              <a:rPr lang="en-US" dirty="0"/>
+              <a:t>Jumping ahead predictions are lower at 83%</a:t>
+            </a:r>
+          </a:p>
+          <a:p>
+            <a:r>
+              <a:rPr lang="en-US" dirty="0"/>
+              <a:t>In talks with Triple Crown Resources to determine viability of model</a:t>
+            </a:r>
+          </a:p>
+          <a:p>
+            <a:endParaRPr lang="en-US" dirty="0"/>
           </a:p>
         </p:txBody>
       </p:sp>
       <p:sp>
         <p:nvSpPr>
-          <p:cNvPr id="4" name="Slide Number Placeholder 3"/>
+          <p:cNvPr id="5" name="Slide Number Placeholder 4"/>
           <p:cNvSpPr>
             <a:spLocks noGrp="1"/>
           </p:cNvSpPr>
@@ -6531,19 +6623,156 @@
     </p:spTree>
     <p:extLst>
       <p:ext uri="{BB962C8B-B14F-4D97-AF65-F5344CB8AC3E}">
-        <p14:creationId xmlns:p14="http://schemas.microsoft.com/office/powerpoint/2010/main" val="1571250658"/>
+        <p14:creationId xmlns:p14="http://schemas.microsoft.com/office/powerpoint/2010/main" val="2145724226"/>
       </p:ext>
     </p:extLst>
   </p:cSld>
   <p:clrMapOvr>
     <a:masterClrMapping/>
   </p:clrMapOvr>
-  <mc:AlternateContent xmlns:mc="http://schemas.openxmlformats.org/markup-compatibility/2006" xmlns:p14="http://schemas.microsoft.com/office/powerpoint/2010/main">
-    <mc:Choice Requires="p14">
-      <p:transition p14:dur="0" advClick="0" advTm="15000"/>
+  <mc:AlternateContent xmlns:mc="http://schemas.openxmlformats.org/markup-compatibility/2006">
+    <mc:Choice xmlns:p14="http://schemas.microsoft.com/office/powerpoint/2010/main" Requires="p14">
+      <p:transition spd="slow" p14:dur="15000"/>
     </mc:Choice>
-    <mc:Fallback xmlns="">
-      <p:transition advClick="0" advTm="15000"/>
+    <mc:Fallback>
+      <p:transition spd="slow"/>
+    </mc:Fallback>
+  </mc:AlternateContent>
+</p:sld>
+</file>
+
+<file path=ppt/slides/slide21.xml><?xml version="1.0" encoding="utf-8"?>
+<p:sld xmlns:a="http://schemas.openxmlformats.org/drawingml/2006/main" xmlns:r="http://schemas.openxmlformats.org/officeDocument/2006/relationships" xmlns:p="http://schemas.openxmlformats.org/presentationml/2006/main">
+  <p:cSld>
+    <p:spTree>
+      <p:nvGrpSpPr>
+        <p:cNvPr id="1" name=""/>
+        <p:cNvGrpSpPr/>
+        <p:nvPr/>
+      </p:nvGrpSpPr>
+      <p:grpSpPr>
+        <a:xfrm>
+          <a:off x="0" y="0"/>
+          <a:ext cx="0" cy="0"/>
+          <a:chOff x="0" y="0"/>
+          <a:chExt cx="0" cy="0"/>
+        </a:xfrm>
+      </p:grpSpPr>
+      <p:sp>
+        <p:nvSpPr>
+          <p:cNvPr id="7" name="Rectangle 6">
+            <a:extLst>
+              <a:ext uri="{FF2B5EF4-FFF2-40B4-BE49-F238E27FC236}">
+                <a16:creationId xmlns:a16="http://schemas.microsoft.com/office/drawing/2014/main" id="{4DFE2747-724E-43CA-A6AB-40946F6D6F30}"/>
+              </a:ext>
+            </a:extLst>
+          </p:cNvPr>
+          <p:cNvSpPr/>
+          <p:nvPr/>
+        </p:nvSpPr>
+        <p:spPr>
+          <a:xfrm>
+            <a:off x="0" y="0"/>
+            <a:ext cx="9144000" cy="6858000"/>
+          </a:xfrm>
+          <a:prstGeom prst="rect">
+            <a:avLst/>
+          </a:prstGeom>
+        </p:spPr>
+        <p:style>
+          <a:lnRef idx="2">
+            <a:schemeClr val="dk1">
+              <a:shade val="50000"/>
+            </a:schemeClr>
+          </a:lnRef>
+          <a:fillRef idx="1">
+            <a:schemeClr val="dk1"/>
+          </a:fillRef>
+          <a:effectRef idx="0">
+            <a:schemeClr val="dk1"/>
+          </a:effectRef>
+          <a:fontRef idx="minor">
+            <a:schemeClr val="lt1"/>
+          </a:fontRef>
+        </p:style>
+        <p:txBody>
+          <a:bodyPr rtlCol="0" anchor="ctr"/>
+          <a:lstStyle/>
+          <a:p>
+            <a:pPr algn="ctr"/>
+            <a:endParaRPr lang="en-US" dirty="0"/>
+          </a:p>
+        </p:txBody>
+      </p:sp>
+      <p:sp>
+        <p:nvSpPr>
+          <p:cNvPr id="2" name="Title 1"/>
+          <p:cNvSpPr>
+            <a:spLocks noGrp="1"/>
+          </p:cNvSpPr>
+          <p:nvPr>
+            <p:ph type="title"/>
+          </p:nvPr>
+        </p:nvSpPr>
+        <p:spPr/>
+        <p:txBody>
+          <a:bodyPr/>
+          <a:lstStyle/>
+          <a:p>
+            <a:r>
+              <a:rPr lang="en-US" dirty="0">
+                <a:solidFill>
+                  <a:schemeClr val="bg1"/>
+                </a:solidFill>
+              </a:rPr>
+              <a:t>END</a:t>
+            </a:r>
+          </a:p>
+        </p:txBody>
+      </p:sp>
+      <p:sp>
+        <p:nvSpPr>
+          <p:cNvPr id="5" name="Slide Number Placeholder 4"/>
+          <p:cNvSpPr>
+            <a:spLocks noGrp="1"/>
+          </p:cNvSpPr>
+          <p:nvPr>
+            <p:ph type="sldNum" sz="quarter" idx="12"/>
+          </p:nvPr>
+        </p:nvSpPr>
+        <p:spPr/>
+        <p:txBody>
+          <a:bodyPr/>
+          <a:lstStyle/>
+          <a:p>
+            <a:fld id="{38327683-8978-6B4B-9130-4A6A841F0549}" type="slidenum">
+              <a:rPr lang="en-US" smtClean="0"/>
+              <a:t>21</a:t>
+            </a:fld>
+            <a:endParaRPr lang="en-US" dirty="0"/>
+          </a:p>
+        </p:txBody>
+      </p:sp>
+    </p:spTree>
+    <p:extLst>
+      <p:ext uri="{BB962C8B-B14F-4D97-AF65-F5344CB8AC3E}">
+        <p14:creationId xmlns:p14="http://schemas.microsoft.com/office/powerpoint/2010/main" val="1087212044"/>
+      </p:ext>
+    </p:extLst>
+  </p:cSld>
+  <p:clrMapOvr>
+    <a:masterClrMapping/>
+  </p:clrMapOvr>
+  <mc:AlternateContent xmlns:mc="http://schemas.openxmlformats.org/markup-compatibility/2006">
+    <mc:Choice xmlns:p14="http://schemas.microsoft.com/office/powerpoint/2010/main" Requires="p14">
+      <p:transition spd="med" p14:dur="700">
+        <p:fade/>
+      </p:transition>
+    </mc:Choice>
+    <mc:Fallback>
+      <p:transition spd="med">
+        <p:fade/>
+      </p:transition>
     </mc:Fallback>
   </mc:AlternateContent>
 </p:sld>
@@ -6669,12 +6898,12 @@
   <p:clrMapOvr>
     <a:masterClrMapping/>
   </p:clrMapOvr>
-  <mc:AlternateContent xmlns:mc="http://schemas.openxmlformats.org/markup-compatibility/2006" xmlns:p14="http://schemas.microsoft.com/office/powerpoint/2010/main">
-    <mc:Choice Requires="p14">
-      <p:transition p14:dur="0" advClick="0" advTm="15000"/>
+  <mc:AlternateContent xmlns:mc="http://schemas.openxmlformats.org/markup-compatibility/2006">
+    <mc:Choice xmlns:p14="http://schemas.microsoft.com/office/powerpoint/2010/main" Requires="p14">
+      <p:transition spd="slow" p14:dur="15000"/>
     </mc:Choice>
-    <mc:Fallback xmlns="">
-      <p:transition advClick="0" advTm="15000"/>
+    <mc:Fallback>
+      <p:transition spd="slow"/>
     </mc:Fallback>
   </mc:AlternateContent>
 </p:sld>
@@ -18457,12 +18686,12 @@
   <p:clrMapOvr>
     <a:masterClrMapping/>
   </p:clrMapOvr>
-  <mc:AlternateContent xmlns:mc="http://schemas.openxmlformats.org/markup-compatibility/2006" xmlns:p14="http://schemas.microsoft.com/office/powerpoint/2010/main">
-    <mc:Choice Requires="p14">
-      <p:transition p14:dur="0" advClick="0" advTm="15000"/>
+  <mc:AlternateContent xmlns:mc="http://schemas.openxmlformats.org/markup-compatibility/2006">
+    <mc:Choice xmlns:p14="http://schemas.microsoft.com/office/powerpoint/2010/main" Requires="p14">
+      <p:transition spd="slow" p14:dur="15000"/>
     </mc:Choice>
-    <mc:Fallback xmlns="">
-      <p:transition advClick="0" advTm="15000"/>
+    <mc:Fallback>
+      <p:transition spd="slow"/>
     </mc:Fallback>
   </mc:AlternateContent>
 </p:sld>
@@ -30869,12 +31098,12 @@
   <p:clrMapOvr>
     <a:masterClrMapping/>
   </p:clrMapOvr>
-  <mc:AlternateContent xmlns:mc="http://schemas.openxmlformats.org/markup-compatibility/2006" xmlns:p14="http://schemas.microsoft.com/office/powerpoint/2010/main">
-    <mc:Choice Requires="p14">
-      <p:transition p14:dur="0" advClick="0" advTm="15000"/>
+  <mc:AlternateContent xmlns:mc="http://schemas.openxmlformats.org/markup-compatibility/2006">
+    <mc:Choice xmlns:p14="http://schemas.microsoft.com/office/powerpoint/2010/main" Requires="p14">
+      <p:transition spd="slow" p14:dur="15000"/>
     </mc:Choice>
-    <mc:Fallback xmlns="">
-      <p:transition advClick="0" advTm="15000"/>
+    <mc:Fallback>
+      <p:transition spd="slow"/>
     </mc:Fallback>
   </mc:AlternateContent>
 </p:sld>
@@ -55087,12 +55316,12 @@
   <p:clrMapOvr>
     <a:masterClrMapping/>
   </p:clrMapOvr>
-  <mc:AlternateContent xmlns:mc="http://schemas.openxmlformats.org/markup-compatibility/2006" xmlns:p14="http://schemas.microsoft.com/office/powerpoint/2010/main">
-    <mc:Choice Requires="p14">
-      <p:transition p14:dur="0" advClick="0" advTm="15000"/>
+  <mc:AlternateContent xmlns:mc="http://schemas.openxmlformats.org/markup-compatibility/2006">
+    <mc:Choice xmlns:p14="http://schemas.microsoft.com/office/powerpoint/2010/main" Requires="p14">
+      <p:transition spd="slow" p14:dur="15000"/>
     </mc:Choice>
-    <mc:Fallback xmlns="">
-      <p:transition advClick="0" advTm="15000"/>
+    <mc:Fallback>
+      <p:transition spd="slow"/>
     </mc:Fallback>
   </mc:AlternateContent>
 </p:sld>
@@ -55218,12 +55447,12 @@
   <p:clrMapOvr>
     <a:masterClrMapping/>
   </p:clrMapOvr>
-  <mc:AlternateContent xmlns:mc="http://schemas.openxmlformats.org/markup-compatibility/2006" xmlns:p14="http://schemas.microsoft.com/office/powerpoint/2010/main">
-    <mc:Choice Requires="p14">
-      <p:transition p14:dur="0" advClick="0" advTm="15000"/>
+  <mc:AlternateContent xmlns:mc="http://schemas.openxmlformats.org/markup-compatibility/2006">
+    <mc:Choice xmlns:p14="http://schemas.microsoft.com/office/powerpoint/2010/main" Requires="p14">
+      <p:transition spd="slow" p14:dur="15000"/>
     </mc:Choice>
-    <mc:Fallback xmlns="">
-      <p:transition advClick="0" advTm="15000"/>
+    <mc:Fallback>
+      <p:transition spd="slow"/>
     </mc:Fallback>
   </mc:AlternateContent>
 </p:sld>
@@ -55381,12 +55610,12 @@
   <p:clrMapOvr>
     <a:masterClrMapping/>
   </p:clrMapOvr>
-  <mc:AlternateContent xmlns:mc="http://schemas.openxmlformats.org/markup-compatibility/2006" xmlns:p14="http://schemas.microsoft.com/office/powerpoint/2010/main">
-    <mc:Choice Requires="p14">
-      <p:transition p14:dur="0" advClick="0" advTm="15000"/>
+  <mc:AlternateContent xmlns:mc="http://schemas.openxmlformats.org/markup-compatibility/2006">
+    <mc:Choice xmlns:p14="http://schemas.microsoft.com/office/powerpoint/2010/main" Requires="p14">
+      <p:transition spd="slow" p14:dur="15000"/>
     </mc:Choice>
-    <mc:Fallback xmlns="">
-      <p:transition advClick="0" advTm="15000"/>
+    <mc:Fallback>
+      <p:transition spd="slow"/>
     </mc:Fallback>
   </mc:AlternateContent>
 </p:sld>
@@ -55529,12 +55758,12 @@
   <p:clrMapOvr>
     <a:masterClrMapping/>
   </p:clrMapOvr>
-  <mc:AlternateContent xmlns:mc="http://schemas.openxmlformats.org/markup-compatibility/2006" xmlns:p14="http://schemas.microsoft.com/office/powerpoint/2010/main">
-    <mc:Choice Requires="p14">
-      <p:transition p14:dur="0" advClick="0" advTm="15000"/>
+  <mc:AlternateContent xmlns:mc="http://schemas.openxmlformats.org/markup-compatibility/2006">
+    <mc:Choice xmlns:p14="http://schemas.microsoft.com/office/powerpoint/2010/main" Requires="p14">
+      <p:transition spd="slow" p14:dur="15000"/>
     </mc:Choice>
-    <mc:Fallback xmlns="">
-      <p:transition advClick="0" advTm="15000"/>
+    <mc:Fallback>
+      <p:transition spd="slow"/>
     </mc:Fallback>
   </mc:AlternateContent>
 </p:sld>

--- a/LightningPresentation/Serna_Vasquez_Lightning_v1.pptx
+++ b/LightningPresentation/Serna_Vasquez_Lightning_v1.pptx
@@ -740,10 +740,10 @@
   </p:clrMapOvr>
   <mc:AlternateContent xmlns:mc="http://schemas.openxmlformats.org/markup-compatibility/2006">
     <mc:Choice xmlns:p14="http://schemas.microsoft.com/office/powerpoint/2010/main" Requires="p14">
-      <p:transition spd="slow" p14:dur="15000"/>
+      <p:transition spd="slow" p14:dur="15000" advTm="15000"/>
     </mc:Choice>
     <mc:Fallback>
-      <p:transition spd="slow"/>
+      <p:transition spd="slow" advTm="15000"/>
     </mc:Fallback>
   </mc:AlternateContent>
 </p:sldLayout>
@@ -921,10 +921,10 @@
   </p:clrMapOvr>
   <mc:AlternateContent xmlns:mc="http://schemas.openxmlformats.org/markup-compatibility/2006">
     <mc:Choice xmlns:p14="http://schemas.microsoft.com/office/powerpoint/2010/main" Requires="p14">
-      <p:transition spd="slow" p14:dur="15000"/>
+      <p:transition spd="slow" p14:dur="15000" advTm="15000"/>
     </mc:Choice>
     <mc:Fallback>
-      <p:transition spd="slow"/>
+      <p:transition spd="slow" advTm="15000"/>
     </mc:Fallback>
   </mc:AlternateContent>
 </p:sldLayout>
@@ -1112,10 +1112,10 @@
   </p:clrMapOvr>
   <mc:AlternateContent xmlns:mc="http://schemas.openxmlformats.org/markup-compatibility/2006">
     <mc:Choice xmlns:p14="http://schemas.microsoft.com/office/powerpoint/2010/main" Requires="p14">
-      <p:transition spd="slow" p14:dur="15000"/>
+      <p:transition spd="slow" p14:dur="15000" advTm="15000"/>
     </mc:Choice>
     <mc:Fallback>
-      <p:transition spd="slow"/>
+      <p:transition spd="slow" advTm="15000"/>
     </mc:Fallback>
   </mc:AlternateContent>
 </p:sldLayout>
@@ -1302,10 +1302,10 @@
   </p:clrMapOvr>
   <mc:AlternateContent xmlns:mc="http://schemas.openxmlformats.org/markup-compatibility/2006">
     <mc:Choice xmlns:p14="http://schemas.microsoft.com/office/powerpoint/2010/main" Requires="p14">
-      <p:transition spd="slow" p14:dur="15000"/>
+      <p:transition spd="slow" p14:dur="15000" advTm="15000"/>
     </mc:Choice>
     <mc:Fallback>
-      <p:transition spd="slow"/>
+      <p:transition spd="slow" advTm="15000"/>
     </mc:Fallback>
   </mc:AlternateContent>
 </p:sldLayout>
@@ -1557,10 +1557,10 @@
   </p:clrMapOvr>
   <mc:AlternateContent xmlns:mc="http://schemas.openxmlformats.org/markup-compatibility/2006">
     <mc:Choice xmlns:p14="http://schemas.microsoft.com/office/powerpoint/2010/main" Requires="p14">
-      <p:transition spd="slow" p14:dur="15000"/>
+      <p:transition spd="slow" p14:dur="15000" advTm="15000"/>
     </mc:Choice>
     <mc:Fallback>
-      <p:transition spd="slow"/>
+      <p:transition spd="slow" advTm="15000"/>
     </mc:Fallback>
   </mc:AlternateContent>
 </p:sldLayout>
@@ -1800,10 +1800,10 @@
   </p:clrMapOvr>
   <mc:AlternateContent xmlns:mc="http://schemas.openxmlformats.org/markup-compatibility/2006">
     <mc:Choice xmlns:p14="http://schemas.microsoft.com/office/powerpoint/2010/main" Requires="p14">
-      <p:transition spd="slow" p14:dur="15000"/>
+      <p:transition spd="slow" p14:dur="15000" advTm="15000"/>
     </mc:Choice>
     <mc:Fallback>
-      <p:transition spd="slow"/>
+      <p:transition spd="slow" advTm="15000"/>
     </mc:Fallback>
   </mc:AlternateContent>
 </p:sldLayout>
@@ -2178,10 +2178,10 @@
   </p:clrMapOvr>
   <mc:AlternateContent xmlns:mc="http://schemas.openxmlformats.org/markup-compatibility/2006">
     <mc:Choice xmlns:p14="http://schemas.microsoft.com/office/powerpoint/2010/main" Requires="p14">
-      <p:transition spd="slow" p14:dur="15000"/>
+      <p:transition spd="slow" p14:dur="15000" advTm="15000"/>
     </mc:Choice>
     <mc:Fallback>
-      <p:transition spd="slow"/>
+      <p:transition spd="slow" advTm="15000"/>
     </mc:Fallback>
   </mc:AlternateContent>
 </p:sldLayout>
@@ -2307,10 +2307,10 @@
   </p:clrMapOvr>
   <mc:AlternateContent xmlns:mc="http://schemas.openxmlformats.org/markup-compatibility/2006">
     <mc:Choice xmlns:p14="http://schemas.microsoft.com/office/powerpoint/2010/main" Requires="p14">
-      <p:transition spd="slow" p14:dur="15000"/>
+      <p:transition spd="slow" p14:dur="15000" advTm="15000"/>
     </mc:Choice>
     <mc:Fallback>
-      <p:transition spd="slow"/>
+      <p:transition spd="slow" advTm="15000"/>
     </mc:Fallback>
   </mc:AlternateContent>
 </p:sldLayout>
@@ -2413,10 +2413,10 @@
   </p:clrMapOvr>
   <mc:AlternateContent xmlns:mc="http://schemas.openxmlformats.org/markup-compatibility/2006">
     <mc:Choice xmlns:p14="http://schemas.microsoft.com/office/powerpoint/2010/main" Requires="p14">
-      <p:transition spd="slow" p14:dur="15000"/>
+      <p:transition spd="slow" p14:dur="15000" advTm="15000"/>
     </mc:Choice>
     <mc:Fallback>
-      <p:transition spd="slow"/>
+      <p:transition spd="slow" advTm="15000"/>
     </mc:Fallback>
   </mc:AlternateContent>
 </p:sldLayout>
@@ -2701,10 +2701,10 @@
   </p:clrMapOvr>
   <mc:AlternateContent xmlns:mc="http://schemas.openxmlformats.org/markup-compatibility/2006">
     <mc:Choice xmlns:p14="http://schemas.microsoft.com/office/powerpoint/2010/main" Requires="p14">
-      <p:transition spd="slow" p14:dur="15000"/>
+      <p:transition spd="slow" p14:dur="15000" advTm="15000"/>
     </mc:Choice>
     <mc:Fallback>
-      <p:transition spd="slow"/>
+      <p:transition spd="slow" advTm="15000"/>
     </mc:Fallback>
   </mc:AlternateContent>
 </p:sldLayout>
@@ -2969,10 +2969,10 @@
   </p:clrMapOvr>
   <mc:AlternateContent xmlns:mc="http://schemas.openxmlformats.org/markup-compatibility/2006">
     <mc:Choice xmlns:p14="http://schemas.microsoft.com/office/powerpoint/2010/main" Requires="p14">
-      <p:transition spd="slow" p14:dur="15000"/>
+      <p:transition spd="slow" p14:dur="15000" advTm="15000"/>
     </mc:Choice>
     <mc:Fallback>
-      <p:transition spd="slow"/>
+      <p:transition spd="slow" advTm="15000"/>
     </mc:Fallback>
   </mc:AlternateContent>
 </p:sldLayout>
@@ -3409,10 +3409,10 @@
   </p:sldLayoutIdLst>
   <mc:AlternateContent xmlns:mc="http://schemas.openxmlformats.org/markup-compatibility/2006">
     <mc:Choice xmlns:p14="http://schemas.microsoft.com/office/powerpoint/2010/main" Requires="p14">
-      <p:transition spd="slow" p14:dur="15000"/>
+      <p:transition spd="slow" p14:dur="15000" advTm="15000"/>
     </mc:Choice>
     <mc:Fallback>
-      <p:transition spd="slow"/>
+      <p:transition spd="slow" advTm="15000"/>
     </mc:Fallback>
   </mc:AlternateContent>
   <p:hf hdr="0" ftr="0" dt="0"/>
@@ -3803,10 +3803,10 @@
   </p:clrMapOvr>
   <mc:AlternateContent xmlns:mc="http://schemas.openxmlformats.org/markup-compatibility/2006">
     <mc:Choice xmlns:p14="http://schemas.microsoft.com/office/powerpoint/2010/main" Requires="p14">
-      <p:transition spd="slow" p14:dur="15000"/>
+      <p:transition spd="slow" p14:dur="15000" advTm="15000"/>
     </mc:Choice>
     <mc:Fallback>
-      <p:transition spd="slow"/>
+      <p:transition spd="slow" advTm="15000"/>
     </mc:Fallback>
   </mc:AlternateContent>
 </p:sld>
@@ -3958,10 +3958,10 @@
   </p:clrMapOvr>
   <mc:AlternateContent xmlns:mc="http://schemas.openxmlformats.org/markup-compatibility/2006">
     <mc:Choice xmlns:p14="http://schemas.microsoft.com/office/powerpoint/2010/main" Requires="p14">
-      <p:transition spd="slow" p14:dur="15000"/>
+      <p:transition spd="slow" p14:dur="15000" advTm="15000"/>
     </mc:Choice>
     <mc:Fallback>
-      <p:transition spd="slow"/>
+      <p:transition spd="slow" advTm="15000"/>
     </mc:Fallback>
   </mc:AlternateContent>
 </p:sld>
@@ -4688,10 +4688,10 @@
   </p:clrMapOvr>
   <mc:AlternateContent xmlns:mc="http://schemas.openxmlformats.org/markup-compatibility/2006">
     <mc:Choice xmlns:p14="http://schemas.microsoft.com/office/powerpoint/2010/main" Requires="p14">
-      <p:transition spd="slow" p14:dur="15000"/>
+      <p:transition spd="slow" p14:dur="15000" advTm="15000"/>
     </mc:Choice>
     <mc:Fallback>
-      <p:transition spd="slow"/>
+      <p:transition spd="slow" advTm="15000"/>
     </mc:Fallback>
   </mc:AlternateContent>
 </p:sld>
@@ -5201,10 +5201,10 @@
   </p:clrMapOvr>
   <mc:AlternateContent xmlns:mc="http://schemas.openxmlformats.org/markup-compatibility/2006">
     <mc:Choice xmlns:p14="http://schemas.microsoft.com/office/powerpoint/2010/main" Requires="p14">
-      <p:transition spd="slow" p14:dur="15000"/>
+      <p:transition spd="slow" p14:dur="15000" advTm="15000"/>
     </mc:Choice>
     <mc:Fallback>
-      <p:transition spd="slow"/>
+      <p:transition spd="slow" advTm="15000"/>
     </mc:Fallback>
   </mc:AlternateContent>
 </p:sld>
@@ -5362,10 +5362,10 @@
   </p:clrMapOvr>
   <mc:AlternateContent xmlns:mc="http://schemas.openxmlformats.org/markup-compatibility/2006">
     <mc:Choice xmlns:p14="http://schemas.microsoft.com/office/powerpoint/2010/main" Requires="p14">
-      <p:transition spd="slow" p14:dur="15000"/>
+      <p:transition spd="slow" p14:dur="15000" advTm="15000"/>
     </mc:Choice>
     <mc:Fallback>
-      <p:transition spd="slow"/>
+      <p:transition spd="slow" advTm="15000"/>
     </mc:Fallback>
   </mc:AlternateContent>
 </p:sld>
@@ -5572,10 +5572,10 @@
   </p:clrMapOvr>
   <mc:AlternateContent xmlns:mc="http://schemas.openxmlformats.org/markup-compatibility/2006">
     <mc:Choice xmlns:p14="http://schemas.microsoft.com/office/powerpoint/2010/main" Requires="p14">
-      <p:transition spd="slow" p14:dur="15000"/>
+      <p:transition spd="slow" p14:dur="15000" advTm="15000"/>
     </mc:Choice>
     <mc:Fallback>
-      <p:transition spd="slow"/>
+      <p:transition spd="slow" advTm="15000"/>
     </mc:Fallback>
   </mc:AlternateContent>
 </p:sld>
@@ -5719,10 +5719,10 @@
   </p:clrMapOvr>
   <mc:AlternateContent xmlns:mc="http://schemas.openxmlformats.org/markup-compatibility/2006">
     <mc:Choice xmlns:p14="http://schemas.microsoft.com/office/powerpoint/2010/main" Requires="p14">
-      <p:transition spd="slow" p14:dur="15000"/>
+      <p:transition spd="slow" p14:dur="15000" advTm="15000"/>
     </mc:Choice>
     <mc:Fallback>
-      <p:transition spd="slow"/>
+      <p:transition spd="slow" advTm="15000"/>
     </mc:Fallback>
   </mc:AlternateContent>
 </p:sld>
@@ -5870,10 +5870,10 @@
   </p:clrMapOvr>
   <mc:AlternateContent xmlns:mc="http://schemas.openxmlformats.org/markup-compatibility/2006">
     <mc:Choice xmlns:p14="http://schemas.microsoft.com/office/powerpoint/2010/main" Requires="p14">
-      <p:transition spd="slow" p14:dur="15000"/>
+      <p:transition spd="slow" p14:dur="15000" advTm="15000"/>
     </mc:Choice>
     <mc:Fallback>
-      <p:transition spd="slow"/>
+      <p:transition spd="slow" advTm="15000"/>
     </mc:Fallback>
   </mc:AlternateContent>
 </p:sld>
@@ -6066,10 +6066,10 @@
   </p:clrMapOvr>
   <mc:AlternateContent xmlns:mc="http://schemas.openxmlformats.org/markup-compatibility/2006">
     <mc:Choice xmlns:p14="http://schemas.microsoft.com/office/powerpoint/2010/main" Requires="p14">
-      <p:transition spd="slow" p14:dur="15000"/>
+      <p:transition spd="slow" p14:dur="15000" advTm="15000"/>
     </mc:Choice>
     <mc:Fallback>
-      <p:transition spd="slow"/>
+      <p:transition spd="slow" advTm="15000"/>
     </mc:Fallback>
   </mc:AlternateContent>
 </p:sld>
@@ -6209,10 +6209,10 @@
   </p:clrMapOvr>
   <mc:AlternateContent xmlns:mc="http://schemas.openxmlformats.org/markup-compatibility/2006">
     <mc:Choice xmlns:p14="http://schemas.microsoft.com/office/powerpoint/2010/main" Requires="p14">
-      <p:transition spd="slow" p14:dur="15000"/>
+      <p:transition spd="slow" p14:dur="15000" advTm="15000"/>
     </mc:Choice>
     <mc:Fallback>
-      <p:transition spd="slow"/>
+      <p:transition spd="slow" advTm="15000"/>
     </mc:Fallback>
   </mc:AlternateContent>
 </p:sld>
@@ -6322,10 +6322,10 @@
   </p:clrMapOvr>
   <mc:AlternateContent xmlns:mc="http://schemas.openxmlformats.org/markup-compatibility/2006">
     <mc:Choice xmlns:p14="http://schemas.microsoft.com/office/powerpoint/2010/main" Requires="p14">
-      <p:transition spd="slow" p14:dur="15000"/>
+      <p:transition spd="slow" p14:dur="15000" advTm="15000"/>
     </mc:Choice>
     <mc:Fallback>
-      <p:transition spd="slow"/>
+      <p:transition spd="slow" advTm="15000"/>
     </mc:Fallback>
   </mc:AlternateContent>
 </p:sld>
@@ -6507,10 +6507,10 @@
   </p:clrMapOvr>
   <mc:AlternateContent xmlns:mc="http://schemas.openxmlformats.org/markup-compatibility/2006">
     <mc:Choice xmlns:p14="http://schemas.microsoft.com/office/powerpoint/2010/main" Requires="p14">
-      <p:transition spd="slow" p14:dur="15000"/>
+      <p:transition spd="slow" p14:dur="15000" advTm="15000"/>
     </mc:Choice>
     <mc:Fallback>
-      <p:transition spd="slow"/>
+      <p:transition spd="slow" advTm="15000"/>
     </mc:Fallback>
   </mc:AlternateContent>
 </p:sld>
@@ -6632,10 +6632,10 @@
   </p:clrMapOvr>
   <mc:AlternateContent xmlns:mc="http://schemas.openxmlformats.org/markup-compatibility/2006">
     <mc:Choice xmlns:p14="http://schemas.microsoft.com/office/powerpoint/2010/main" Requires="p14">
-      <p:transition spd="slow" p14:dur="15000"/>
+      <p:transition spd="slow" p14:dur="15000" advTm="15000"/>
     </mc:Choice>
     <mc:Fallback>
-      <p:transition spd="slow"/>
+      <p:transition spd="slow" advTm="15000"/>
     </mc:Fallback>
   </mc:AlternateContent>
 </p:sld>
@@ -6765,14 +6765,10 @@
   </p:clrMapOvr>
   <mc:AlternateContent xmlns:mc="http://schemas.openxmlformats.org/markup-compatibility/2006">
     <mc:Choice xmlns:p14="http://schemas.microsoft.com/office/powerpoint/2010/main" Requires="p14">
-      <p:transition spd="med" p14:dur="700">
-        <p:fade/>
-      </p:transition>
+      <p:transition spd="slow" p14:dur="15000" advTm="15000"/>
     </mc:Choice>
     <mc:Fallback>
-      <p:transition spd="med">
-        <p:fade/>
-      </p:transition>
+      <p:transition spd="slow" advTm="15000"/>
     </mc:Fallback>
   </mc:AlternateContent>
 </p:sld>
@@ -6900,10 +6896,10 @@
   </p:clrMapOvr>
   <mc:AlternateContent xmlns:mc="http://schemas.openxmlformats.org/markup-compatibility/2006">
     <mc:Choice xmlns:p14="http://schemas.microsoft.com/office/powerpoint/2010/main" Requires="p14">
-      <p:transition spd="slow" p14:dur="15000"/>
+      <p:transition spd="slow" p14:dur="15000" advTm="15000"/>
     </mc:Choice>
     <mc:Fallback>
-      <p:transition spd="slow"/>
+      <p:transition spd="slow" advTm="15000"/>
     </mc:Fallback>
   </mc:AlternateContent>
 </p:sld>
@@ -18688,10 +18684,10 @@
   </p:clrMapOvr>
   <mc:AlternateContent xmlns:mc="http://schemas.openxmlformats.org/markup-compatibility/2006">
     <mc:Choice xmlns:p14="http://schemas.microsoft.com/office/powerpoint/2010/main" Requires="p14">
-      <p:transition spd="slow" p14:dur="15000"/>
+      <p:transition spd="slow" p14:dur="15000" advTm="15000"/>
     </mc:Choice>
     <mc:Fallback>
-      <p:transition spd="slow"/>
+      <p:transition spd="slow" advTm="15000"/>
     </mc:Fallback>
   </mc:AlternateContent>
 </p:sld>
@@ -31100,10 +31096,10 @@
   </p:clrMapOvr>
   <mc:AlternateContent xmlns:mc="http://schemas.openxmlformats.org/markup-compatibility/2006">
     <mc:Choice xmlns:p14="http://schemas.microsoft.com/office/powerpoint/2010/main" Requires="p14">
-      <p:transition spd="slow" p14:dur="15000"/>
+      <p:transition spd="slow" p14:dur="15000" advTm="15000"/>
     </mc:Choice>
     <mc:Fallback>
-      <p:transition spd="slow"/>
+      <p:transition spd="slow" advTm="15000"/>
     </mc:Fallback>
   </mc:AlternateContent>
 </p:sld>
@@ -55318,10 +55314,10 @@
   </p:clrMapOvr>
   <mc:AlternateContent xmlns:mc="http://schemas.openxmlformats.org/markup-compatibility/2006">
     <mc:Choice xmlns:p14="http://schemas.microsoft.com/office/powerpoint/2010/main" Requires="p14">
-      <p:transition spd="slow" p14:dur="15000"/>
+      <p:transition spd="slow" p14:dur="15000" advTm="15000"/>
     </mc:Choice>
     <mc:Fallback>
-      <p:transition spd="slow"/>
+      <p:transition spd="slow" advTm="15000"/>
     </mc:Fallback>
   </mc:AlternateContent>
 </p:sld>
@@ -55449,10 +55445,10 @@
   </p:clrMapOvr>
   <mc:AlternateContent xmlns:mc="http://schemas.openxmlformats.org/markup-compatibility/2006">
     <mc:Choice xmlns:p14="http://schemas.microsoft.com/office/powerpoint/2010/main" Requires="p14">
-      <p:transition spd="slow" p14:dur="15000"/>
+      <p:transition spd="slow" p14:dur="15000" advTm="15000"/>
     </mc:Choice>
     <mc:Fallback>
-      <p:transition spd="slow"/>
+      <p:transition spd="slow" advTm="15000"/>
     </mc:Fallback>
   </mc:AlternateContent>
 </p:sld>
@@ -55612,10 +55608,10 @@
   </p:clrMapOvr>
   <mc:AlternateContent xmlns:mc="http://schemas.openxmlformats.org/markup-compatibility/2006">
     <mc:Choice xmlns:p14="http://schemas.microsoft.com/office/powerpoint/2010/main" Requires="p14">
-      <p:transition spd="slow" p14:dur="15000"/>
+      <p:transition spd="slow" p14:dur="15000" advTm="15000"/>
     </mc:Choice>
     <mc:Fallback>
-      <p:transition spd="slow"/>
+      <p:transition spd="slow" advTm="15000"/>
     </mc:Fallback>
   </mc:AlternateContent>
 </p:sld>
@@ -55760,10 +55756,10 @@
   </p:clrMapOvr>
   <mc:AlternateContent xmlns:mc="http://schemas.openxmlformats.org/markup-compatibility/2006">
     <mc:Choice xmlns:p14="http://schemas.microsoft.com/office/powerpoint/2010/main" Requires="p14">
-      <p:transition spd="slow" p14:dur="15000"/>
+      <p:transition spd="slow" p14:dur="15000" advTm="15000"/>
     </mc:Choice>
     <mc:Fallback>
-      <p:transition spd="slow"/>
+      <p:transition spd="slow" advTm="15000"/>
     </mc:Fallback>
   </mc:AlternateContent>
 </p:sld>
